--- a/PPT/J10-网络编程.pptx
+++ b/PPT/J10-网络编程.pptx
@@ -5,10 +5,10 @@
     <p:sldMasterId id="2147483648" r:id="rId1"/>
   </p:sldMasterIdLst>
   <p:notesMasterIdLst>
-    <p:notesMasterId r:id="rId26"/>
+    <p:notesMasterId r:id="rId27"/>
   </p:notesMasterIdLst>
   <p:handoutMasterIdLst>
-    <p:handoutMasterId r:id="rId27"/>
+    <p:handoutMasterId r:id="rId28"/>
   </p:handoutMasterIdLst>
   <p:sldIdLst>
     <p:sldId id="271" r:id="rId2"/>
@@ -18,28 +18,29 @@
     <p:sldId id="824" r:id="rId6"/>
     <p:sldId id="837" r:id="rId7"/>
     <p:sldId id="825" r:id="rId8"/>
-    <p:sldId id="826" r:id="rId9"/>
-    <p:sldId id="650" r:id="rId10"/>
-    <p:sldId id="851" r:id="rId11"/>
-    <p:sldId id="880" r:id="rId12"/>
-    <p:sldId id="853" r:id="rId13"/>
-    <p:sldId id="854" r:id="rId14"/>
-    <p:sldId id="855" r:id="rId15"/>
-    <p:sldId id="856" r:id="rId16"/>
-    <p:sldId id="318" r:id="rId17"/>
-    <p:sldId id="867" r:id="rId18"/>
-    <p:sldId id="857" r:id="rId19"/>
-    <p:sldId id="872" r:id="rId20"/>
-    <p:sldId id="876" r:id="rId21"/>
-    <p:sldId id="877" r:id="rId22"/>
-    <p:sldId id="878" r:id="rId23"/>
-    <p:sldId id="879" r:id="rId24"/>
-    <p:sldId id="648" r:id="rId25"/>
+    <p:sldId id="881" r:id="rId9"/>
+    <p:sldId id="826" r:id="rId10"/>
+    <p:sldId id="650" r:id="rId11"/>
+    <p:sldId id="851" r:id="rId12"/>
+    <p:sldId id="880" r:id="rId13"/>
+    <p:sldId id="853" r:id="rId14"/>
+    <p:sldId id="854" r:id="rId15"/>
+    <p:sldId id="855" r:id="rId16"/>
+    <p:sldId id="856" r:id="rId17"/>
+    <p:sldId id="318" r:id="rId18"/>
+    <p:sldId id="867" r:id="rId19"/>
+    <p:sldId id="857" r:id="rId20"/>
+    <p:sldId id="872" r:id="rId21"/>
+    <p:sldId id="876" r:id="rId22"/>
+    <p:sldId id="877" r:id="rId23"/>
+    <p:sldId id="878" r:id="rId24"/>
+    <p:sldId id="879" r:id="rId25"/>
+    <p:sldId id="648" r:id="rId26"/>
   </p:sldIdLst>
   <p:sldSz cx="12192000" cy="6858000"/>
   <p:notesSz cx="6858000" cy="9144000"/>
   <p:custDataLst>
-    <p:tags r:id="rId28"/>
+    <p:tags r:id="rId29"/>
   </p:custDataLst>
   <p:defaultTextStyle>
     <a:defPPr rtl="0">
@@ -5613,7 +5614,7 @@
                 <a:latin typeface="微软雅黑" panose="020B0503020204020204" pitchFamily="34" charset="-122"/>
                 <a:ea typeface="微软雅黑" panose="020B0503020204020204" pitchFamily="34" charset="-122"/>
               </a:rPr>
-              <a:t>2020年8月12日</a:t>
+              <a:t>2020年10月22日</a:t>
             </a:fld>
             <a:endParaRPr lang="zh-CN" altLang="en-US" dirty="0">
               <a:latin typeface="微软雅黑" panose="020B0503020204020204" pitchFamily="34" charset="-122"/>
@@ -5799,7 +5800,7 @@
             <a:fld id="{EA50F75F-AD11-4973-BAED-59A0098129E9}" type="datetime2">
               <a:rPr lang="zh-CN" altLang="en-US" smtClean="0"/>
               <a:pPr/>
-              <a:t>2020年8月12日</a:t>
+              <a:t>2020年10月22日</a:t>
             </a:fld>
             <a:endParaRPr lang="zh-CN" altLang="en-US" dirty="0"/>
           </a:p>
@@ -6452,7 +6453,7 @@
           <a:p>
             <a:fld id="{37157021-F459-0745-ACEC-B5D9B7C9879E}" type="slidenum">
               <a:rPr kumimoji="1" lang="zh-CN" altLang="en-US" smtClean="0"/>
-              <a:t>20</a:t>
+              <a:t>21</a:t>
             </a:fld>
             <a:endParaRPr kumimoji="1" lang="zh-CN" altLang="en-US"/>
           </a:p>
@@ -13932,7 +13933,7 @@
             <a:fld id="{B432DCC3-517C-49BA-ABA2-B2F6E7404DD7}" type="datetime2">
               <a:rPr lang="zh-CN" altLang="en-US" smtClean="0"/>
               <a:pPr/>
-              <a:t>2020年8月12日</a:t>
+              <a:t>2020年10月22日</a:t>
             </a:fld>
             <a:endParaRPr lang="zh-CN" altLang="en-US" dirty="0"/>
           </a:p>
@@ -14297,7 +14298,7 @@
             <a:fld id="{C9924D3C-B5BC-4E6F-BD45-8D7401CE63E0}" type="datetime3">
               <a:rPr lang="zh-CN" altLang="en-US" smtClean="0"/>
               <a:pPr/>
-              <a:t>2020年8月12日星期三</a:t>
+              <a:t>2020年10月22日星期四</a:t>
             </a:fld>
             <a:endParaRPr lang="en-US" altLang="zh-CN"/>
           </a:p>
@@ -14733,7 +14734,7 @@
             <a:fld id="{B4092020-4CB6-4BDF-A229-21088922D341}" type="datetime3">
               <a:rPr lang="zh-CN" altLang="en-US" smtClean="0"/>
               <a:pPr/>
-              <a:t>2020年8月12日星期三</a:t>
+              <a:t>2020年10月22日星期四</a:t>
             </a:fld>
             <a:endParaRPr lang="en-US" altLang="zh-CN"/>
           </a:p>
@@ -17322,7 +17323,7 @@
       </p:grpSpPr>
       <p:sp>
         <p:nvSpPr>
-          <p:cNvPr id="21506" name="Rectangle 2"/>
+          <p:cNvPr id="18434" name="Rectangle 2"/>
           <p:cNvSpPr>
             <a:spLocks noGrp="1" noChangeArrowheads="1"/>
           </p:cNvSpPr>
@@ -17339,7 +17340,7 @@
               <a:rPr lang="zh-CN" altLang="zh-CN" dirty="0">
                 <a:sym typeface="Arial" charset="0"/>
               </a:rPr>
-              <a:t>客户端/服务器模型</a:t>
+              <a:t>套接字(socket)</a:t>
             </a:r>
             <a:endParaRPr lang="zh-CN" dirty="0">
               <a:sym typeface="Arial" charset="0"/>
@@ -17349,7 +17350,7 @@
       </p:sp>
       <p:sp>
         <p:nvSpPr>
-          <p:cNvPr id="21507" name="Rectangle 3"/>
+          <p:cNvPr id="18435" name="Rectangle 3"/>
           <p:cNvSpPr>
             <a:spLocks noGrp="1" noChangeArrowheads="1"/>
           </p:cNvSpPr>
@@ -17362,54 +17363,131 @@
           <a:bodyPr/>
           <a:lstStyle/>
           <a:p>
-            <a:r>
-              <a:rPr lang="zh-CN" dirty="0">
+            <a:pPr>
+              <a:spcBef>
+                <a:spcPts val="600"/>
+              </a:spcBef>
+            </a:pPr>
+            <a:r>
+              <a:rPr lang="zh-CN" altLang="en-US" sz="2800" dirty="0">
                 <a:sym typeface="Arial" charset="0"/>
               </a:rPr>
-              <a:t>即Client/Server(客户机/服务器)结构，通过任务合理分配到Client端和Server端，降低了系统通讯开销，可充分利用两端硬件环境优势。</a:t>
-            </a:r>
+              <a:t>网络上的两个程序通过一个双向的通信连接实现数据的交换，这个连接的一端称为一个</a:t>
+            </a:r>
+            <a:r>
+              <a:rPr lang="en-US" altLang="zh-CN" sz="2800" dirty="0">
+                <a:sym typeface="Arial" charset="0"/>
+              </a:rPr>
+              <a:t>socket</a:t>
+            </a:r>
+            <a:r>
+              <a:rPr lang="zh-CN" altLang="en-US" sz="2800" dirty="0">
+                <a:sym typeface="Arial" charset="0"/>
+              </a:rPr>
+              <a:t>。</a:t>
+            </a:r>
+            <a:endParaRPr lang="en-US" altLang="zh-CN" sz="2800" dirty="0">
+              <a:sym typeface="Arial" charset="0"/>
+            </a:endParaRPr>
           </a:p>
           <a:p>
-            <a:r>
-              <a:rPr lang="zh-CN" dirty="0">
+            <a:pPr>
+              <a:spcBef>
+                <a:spcPts val="600"/>
+              </a:spcBef>
+            </a:pPr>
+            <a:r>
+              <a:rPr lang="en-US" altLang="zh-CN" sz="2800" dirty="0"/>
+              <a:t>Socket</a:t>
+            </a:r>
+            <a:r>
+              <a:rPr lang="zh-CN" altLang="en-US" sz="2800" dirty="0"/>
+              <a:t>的英文原义是（电力系统的）“插座”，在网络中用于描述</a:t>
+            </a:r>
+            <a:r>
+              <a:rPr lang="en-US" altLang="zh-CN" sz="2800" dirty="0"/>
+              <a:t>IP</a:t>
+            </a:r>
+            <a:r>
+              <a:rPr lang="zh-CN" altLang="en-US" sz="2800" dirty="0"/>
+              <a:t>地址和端口。在</a:t>
+            </a:r>
+            <a:r>
+              <a:rPr lang="en-US" altLang="zh-CN" sz="2800" dirty="0"/>
+              <a:t>Internet</a:t>
+            </a:r>
+            <a:r>
+              <a:rPr lang="zh-CN" altLang="en-US" sz="2800" dirty="0"/>
+              <a:t>上的</a:t>
+            </a:r>
+            <a:r>
+              <a:rPr lang="zh-CN" altLang="en-US" sz="2800" dirty="0">
+                <a:hlinkClick r:id="rId2"/>
+              </a:rPr>
+              <a:t>主机</a:t>
+            </a:r>
+            <a:r>
+              <a:rPr lang="zh-CN" altLang="en-US" sz="2800" dirty="0"/>
+              <a:t>一般同时提供几种服务，每种服务都绑定到一个端口上。客户软件将插头插到不同编号的插座（</a:t>
+            </a:r>
+            <a:r>
+              <a:rPr lang="en-US" altLang="zh-CN" sz="2800" dirty="0" err="1"/>
+              <a:t>ip</a:t>
+            </a:r>
+            <a:r>
+              <a:rPr lang="zh-CN" altLang="en-US" sz="2800" dirty="0"/>
+              <a:t>和端口），就可以得到不同的服务。</a:t>
+            </a:r>
+            <a:endParaRPr lang="en-US" altLang="zh-CN" sz="2800" dirty="0"/>
+          </a:p>
+          <a:p>
+            <a:pPr>
+              <a:spcBef>
+                <a:spcPts val="600"/>
+              </a:spcBef>
+            </a:pPr>
+            <a:r>
+              <a:rPr lang="zh-CN" altLang="zh-CN" sz="2800" dirty="0">
                 <a:sym typeface="Arial" charset="0"/>
               </a:rPr>
-              <a:t>C/S的优点是能充分发挥客户端ＰＣ的处理能力，很多工作可以在客户端处理后再提交给服务器。</a:t>
+              <a:t>如果一个进程要通过网络向另一个进程发送数据，只需简单地写入与socket相关联的输出流。一个进程通过从与socket相关联的输入流读来读取另一个进程所写的数据。</a:t>
             </a:r>
           </a:p>
           <a:p>
-            <a:r>
-              <a:rPr lang="zh-CN" dirty="0">
+            <a:pPr>
+              <a:spcBef>
+                <a:spcPts val="600"/>
+              </a:spcBef>
+            </a:pPr>
+            <a:r>
+              <a:rPr lang="en-US" altLang="zh-CN" sz="2800" dirty="0">
                 <a:sym typeface="Arial" charset="0"/>
               </a:rPr>
-              <a:t>缺点主要有：</a:t>
-            </a:r>
-          </a:p>
-          <a:p>
-            <a:pPr lvl="1"/>
-            <a:r>
-              <a:rPr lang="zh-CN" dirty="0">
+              <a:t>Java</a:t>
+            </a:r>
+            <a:r>
+              <a:rPr lang="zh-CN" altLang="en-US" sz="2800" dirty="0">
                 <a:sym typeface="Arial" charset="0"/>
               </a:rPr>
-              <a:t>适用于局域网环境可连接用户数有限；</a:t>
-            </a:r>
-          </a:p>
-          <a:p>
-            <a:pPr lvl="1"/>
-            <a:r>
-              <a:rPr lang="zh-CN" dirty="0">
+              <a:t>中套接字</a:t>
+            </a:r>
+            <a:r>
+              <a:rPr lang="zh-CN" sz="2800" dirty="0">
                 <a:sym typeface="Arial" charset="0"/>
               </a:rPr>
-              <a:t>客户端需要安装专用的客户端软件；</a:t>
-            </a:r>
-          </a:p>
-          <a:p>
-            <a:pPr lvl="1"/>
-            <a:r>
-              <a:rPr lang="zh-CN" dirty="0">
+              <a:t>使用流模型</a:t>
+            </a:r>
+            <a:r>
+              <a:rPr lang="zh-CN" altLang="en-US" sz="2800" dirty="0">
                 <a:sym typeface="Arial" charset="0"/>
               </a:rPr>
-              <a:t>对客户端的操作系统一般会有限制。</a:t>
+              <a:t>，</a:t>
+            </a:r>
+            <a:r>
+              <a:rPr lang="zh-CN" sz="2800" dirty="0">
+                <a:sym typeface="Arial" charset="0"/>
+              </a:rPr>
+              <a:t>一个socket包括两个流：一个输入流和一个输出流。</a:t>
             </a:r>
           </a:p>
         </p:txBody>
@@ -17435,6 +17513,137 @@
 </file>
 
 <file path=ppt/slides/slide11.xml><?xml version="1.0" encoding="utf-8"?>
+<p:sld xmlns:a="http://schemas.openxmlformats.org/drawingml/2006/main" xmlns:r="http://schemas.openxmlformats.org/officeDocument/2006/relationships" xmlns:p="http://schemas.openxmlformats.org/presentationml/2006/main">
+  <p:cSld>
+    <p:spTree>
+      <p:nvGrpSpPr>
+        <p:cNvPr id="1" name=""/>
+        <p:cNvGrpSpPr/>
+        <p:nvPr/>
+      </p:nvGrpSpPr>
+      <p:grpSpPr>
+        <a:xfrm>
+          <a:off x="0" y="0"/>
+          <a:ext cx="0" cy="0"/>
+          <a:chOff x="0" y="0"/>
+          <a:chExt cx="0" cy="0"/>
+        </a:xfrm>
+      </p:grpSpPr>
+      <p:sp>
+        <p:nvSpPr>
+          <p:cNvPr id="21506" name="Rectangle 2"/>
+          <p:cNvSpPr>
+            <a:spLocks noGrp="1" noChangeArrowheads="1"/>
+          </p:cNvSpPr>
+          <p:nvPr>
+            <p:ph type="title"/>
+          </p:nvPr>
+        </p:nvSpPr>
+        <p:spPr/>
+        <p:txBody>
+          <a:bodyPr/>
+          <a:lstStyle/>
+          <a:p>
+            <a:r>
+              <a:rPr lang="zh-CN" altLang="zh-CN" dirty="0">
+                <a:sym typeface="Arial" charset="0"/>
+              </a:rPr>
+              <a:t>客户端/服务器模型</a:t>
+            </a:r>
+            <a:endParaRPr lang="zh-CN" dirty="0">
+              <a:sym typeface="Arial" charset="0"/>
+            </a:endParaRPr>
+          </a:p>
+        </p:txBody>
+      </p:sp>
+      <p:sp>
+        <p:nvSpPr>
+          <p:cNvPr id="21507" name="Rectangle 3"/>
+          <p:cNvSpPr>
+            <a:spLocks noGrp="1" noChangeArrowheads="1"/>
+          </p:cNvSpPr>
+          <p:nvPr>
+            <p:ph sz="quarter" idx="10"/>
+          </p:nvPr>
+        </p:nvSpPr>
+        <p:spPr/>
+        <p:txBody>
+          <a:bodyPr/>
+          <a:lstStyle/>
+          <a:p>
+            <a:r>
+              <a:rPr lang="zh-CN" dirty="0">
+                <a:sym typeface="Arial" charset="0"/>
+              </a:rPr>
+              <a:t>即Client/Server(客户机/服务器)结构，通过任务合理分配到Client端和Server端，降低了系统通讯开销，可充分利用两端硬件环境优势。</a:t>
+            </a:r>
+          </a:p>
+          <a:p>
+            <a:r>
+              <a:rPr lang="zh-CN" dirty="0">
+                <a:sym typeface="Arial" charset="0"/>
+              </a:rPr>
+              <a:t>C/S的优点是能充分发挥客户端ＰＣ的处理能力，很多工作可以在客户端处理后再提交给服务器。</a:t>
+            </a:r>
+          </a:p>
+          <a:p>
+            <a:r>
+              <a:rPr lang="zh-CN" dirty="0">
+                <a:sym typeface="Arial" charset="0"/>
+              </a:rPr>
+              <a:t>缺点主要有：</a:t>
+            </a:r>
+          </a:p>
+          <a:p>
+            <a:pPr lvl="1"/>
+            <a:r>
+              <a:rPr lang="zh-CN" dirty="0">
+                <a:sym typeface="Arial" charset="0"/>
+              </a:rPr>
+              <a:t>适用于局域网环境可连接用户数有限；</a:t>
+            </a:r>
+          </a:p>
+          <a:p>
+            <a:pPr lvl="1"/>
+            <a:r>
+              <a:rPr lang="zh-CN" dirty="0">
+                <a:sym typeface="Arial" charset="0"/>
+              </a:rPr>
+              <a:t>客户端需要安装专用的客户端软件；</a:t>
+            </a:r>
+          </a:p>
+          <a:p>
+            <a:pPr lvl="1"/>
+            <a:r>
+              <a:rPr lang="zh-CN" dirty="0">
+                <a:sym typeface="Arial" charset="0"/>
+              </a:rPr>
+              <a:t>对客户端的操作系统一般会有限制。</a:t>
+            </a:r>
+          </a:p>
+        </p:txBody>
+      </p:sp>
+    </p:spTree>
+  </p:cSld>
+  <p:clrMapOvr>
+    <a:masterClrMapping/>
+  </p:clrMapOvr>
+  <mc:AlternateContent xmlns:mc="http://schemas.openxmlformats.org/markup-compatibility/2006" xmlns:p14="http://schemas.microsoft.com/office/powerpoint/2010/main">
+    <mc:Choice Requires="p14">
+      <p:transition spd="med" p14:dur="700">
+        <p:fade/>
+      </p:transition>
+    </mc:Choice>
+    <mc:Fallback xmlns="">
+      <p:transition spd="med">
+        <p:fade/>
+      </p:transition>
+    </mc:Fallback>
+  </mc:AlternateContent>
+</p:sld>
+</file>
+
+<file path=ppt/slides/slide12.xml><?xml version="1.0" encoding="utf-8"?>
 <p:sld xmlns:a="http://schemas.openxmlformats.org/drawingml/2006/main" xmlns:r="http://schemas.openxmlformats.org/officeDocument/2006/relationships" xmlns:p="http://schemas.openxmlformats.org/presentationml/2006/main">
   <p:cSld>
     <p:spTree>
@@ -17532,7 +17741,7 @@
 </p:sld>
 </file>
 
-<file path=ppt/slides/slide12.xml><?xml version="1.0" encoding="utf-8"?>
+<file path=ppt/slides/slide13.xml><?xml version="1.0" encoding="utf-8"?>
 <p:sld xmlns:a="http://schemas.openxmlformats.org/drawingml/2006/main" xmlns:r="http://schemas.openxmlformats.org/officeDocument/2006/relationships" xmlns:p="http://schemas.openxmlformats.org/presentationml/2006/main">
   <p:cSld>
     <p:spTree>
@@ -17638,193 +17847,6 @@
                 <a:sym typeface="Arial" charset="0"/>
               </a:rPr>
               <a:t>WWW相关类(URLConnection类和URLStreamHandler类)</a:t>
-            </a:r>
-          </a:p>
-        </p:txBody>
-      </p:sp>
-    </p:spTree>
-  </p:cSld>
-  <p:clrMapOvr>
-    <a:masterClrMapping/>
-  </p:clrMapOvr>
-  <mc:AlternateContent xmlns:mc="http://schemas.openxmlformats.org/markup-compatibility/2006" xmlns:p14="http://schemas.microsoft.com/office/powerpoint/2010/main">
-    <mc:Choice Requires="p14">
-      <p:transition spd="med" p14:dur="700">
-        <p:fade/>
-      </p:transition>
-    </mc:Choice>
-    <mc:Fallback xmlns="">
-      <p:transition spd="med">
-        <p:fade/>
-      </p:transition>
-    </mc:Fallback>
-  </mc:AlternateContent>
-</p:sld>
-</file>
-
-<file path=ppt/slides/slide13.xml><?xml version="1.0" encoding="utf-8"?>
-<p:sld xmlns:a="http://schemas.openxmlformats.org/drawingml/2006/main" xmlns:r="http://schemas.openxmlformats.org/officeDocument/2006/relationships" xmlns:p="http://schemas.openxmlformats.org/presentationml/2006/main">
-  <p:cSld>
-    <p:spTree>
-      <p:nvGrpSpPr>
-        <p:cNvPr id="1" name=""/>
-        <p:cNvGrpSpPr/>
-        <p:nvPr/>
-      </p:nvGrpSpPr>
-      <p:grpSpPr>
-        <a:xfrm>
-          <a:off x="0" y="0"/>
-          <a:ext cx="0" cy="0"/>
-          <a:chOff x="0" y="0"/>
-          <a:chExt cx="0" cy="0"/>
-        </a:xfrm>
-      </p:grpSpPr>
-      <p:sp>
-        <p:nvSpPr>
-          <p:cNvPr id="24578" name="Rectangle 2"/>
-          <p:cNvSpPr>
-            <a:spLocks noGrp="1" noChangeArrowheads="1"/>
-          </p:cNvSpPr>
-          <p:nvPr>
-            <p:ph type="title"/>
-          </p:nvPr>
-        </p:nvSpPr>
-        <p:spPr/>
-        <p:txBody>
-          <a:bodyPr/>
-          <a:lstStyle/>
-          <a:p>
-            <a:r>
-              <a:rPr lang="zh-CN">
-                <a:sym typeface="Arial" charset="0"/>
-              </a:rPr>
-              <a:t>java.net包</a:t>
-            </a:r>
-          </a:p>
-        </p:txBody>
-      </p:sp>
-      <p:sp>
-        <p:nvSpPr>
-          <p:cNvPr id="24579" name="Rectangle 3"/>
-          <p:cNvSpPr>
-            <a:spLocks noGrp="1" noChangeArrowheads="1"/>
-          </p:cNvSpPr>
-          <p:nvPr>
-            <p:ph sz="quarter" idx="10"/>
-          </p:nvPr>
-        </p:nvSpPr>
-        <p:spPr>
-          <a:xfrm>
-            <a:off x="728296" y="905608"/>
-            <a:ext cx="10735408" cy="5046784"/>
-          </a:xfrm>
-        </p:spPr>
-        <p:txBody>
-          <a:bodyPr/>
-          <a:lstStyle/>
-          <a:p>
-            <a:pPr>
-              <a:spcBef>
-                <a:spcPts val="600"/>
-              </a:spcBef>
-            </a:pPr>
-            <a:r>
-              <a:rPr lang="zh-CN" sz="2800" dirty="0">
-                <a:sym typeface="Arial" charset="0"/>
-              </a:rPr>
-              <a:t>InetAddress类和URL类：</a:t>
-            </a:r>
-          </a:p>
-          <a:p>
-            <a:pPr lvl="1">
-              <a:spcBef>
-                <a:spcPts val="600"/>
-              </a:spcBef>
-            </a:pPr>
-            <a:r>
-              <a:rPr lang="zh-CN" sz="2400" dirty="0">
-                <a:sym typeface="Arial" charset="0"/>
-              </a:rPr>
-              <a:t>InetAddress类提供有关从域名地址查询IP地址的方法，类中没有构造器。TCP/IP面向连接服务类(Socket类和ServerSocket类)。</a:t>
-            </a:r>
-          </a:p>
-          <a:p>
-            <a:pPr>
-              <a:spcBef>
-                <a:spcPts val="600"/>
-              </a:spcBef>
-            </a:pPr>
-            <a:r>
-              <a:rPr lang="zh-CN" sz="2800" dirty="0">
-                <a:sym typeface="Arial" charset="0"/>
-              </a:rPr>
-              <a:t>getAddress() 返回4个字节的IP地址，是4个整数，有可能是负数，需要进行转换处理，才能正确显示。</a:t>
-            </a:r>
-          </a:p>
-          <a:p>
-            <a:pPr>
-              <a:spcBef>
-                <a:spcPts val="600"/>
-              </a:spcBef>
-            </a:pPr>
-            <a:r>
-              <a:rPr lang="zh-CN" sz="2800" dirty="0">
-                <a:sym typeface="Arial" charset="0"/>
-              </a:rPr>
-              <a:t>getHostName() 返回被查询主机域名地址，即生成InetAddress对象时使用的字符串参数。</a:t>
-            </a:r>
-          </a:p>
-          <a:p>
-            <a:pPr>
-              <a:spcBef>
-                <a:spcPts val="600"/>
-              </a:spcBef>
-            </a:pPr>
-            <a:r>
-              <a:rPr lang="zh-CN" sz="2800" dirty="0">
-                <a:sym typeface="Arial" charset="0"/>
-              </a:rPr>
-              <a:t>getHostAddress() 返回IP地址，与getAddress不同，它是用字符串表示的IP地址，IP地址用十进制数表示，即"%d.%d.%d.%d"。</a:t>
-            </a:r>
-          </a:p>
-        </p:txBody>
-      </p:sp>
-      <p:sp>
-        <p:nvSpPr>
-          <p:cNvPr id="24580" name="Rectangle 4"/>
-          <p:cNvSpPr>
-            <a:spLocks noChangeArrowheads="1"/>
-          </p:cNvSpPr>
-          <p:nvPr/>
-        </p:nvSpPr>
-        <p:spPr bwMode="auto">
-          <a:xfrm>
-            <a:off x="8655050" y="6491288"/>
-            <a:ext cx="2012950" cy="366712"/>
-          </a:xfrm>
-          <a:prstGeom prst="rect">
-            <a:avLst/>
-          </a:prstGeom>
-          <a:noFill/>
-          <a:ln w="9525">
-            <a:noFill/>
-            <a:miter lim="800000"/>
-            <a:headEnd/>
-            <a:tailEnd/>
-          </a:ln>
-          <a:effectLst/>
-        </p:spPr>
-        <p:txBody>
-          <a:bodyPr wrap="none" anchor="ctr">
-            <a:spAutoFit/>
-          </a:bodyPr>
-          <a:lstStyle/>
-          <a:p>
-            <a:r>
-              <a:rPr lang="en-US" altLang="zh-CN" dirty="0">
-                <a:ea typeface="宋体" charset="-122"/>
-              </a:rPr>
-              <a:t>AddressTest.java </a:t>
             </a:r>
           </a:p>
         </p:txBody>
@@ -17868,7 +17890,7 @@
       </p:grpSpPr>
       <p:sp>
         <p:nvSpPr>
-          <p:cNvPr id="25602" name="Rectangle 2"/>
+          <p:cNvPr id="24578" name="Rectangle 2"/>
           <p:cNvSpPr>
             <a:spLocks noGrp="1" noChangeArrowheads="1"/>
           </p:cNvSpPr>
@@ -17892,7 +17914,7 @@
       </p:sp>
       <p:sp>
         <p:nvSpPr>
-          <p:cNvPr id="25603" name="Rectangle 3"/>
+          <p:cNvPr id="24579" name="Rectangle 3"/>
           <p:cNvSpPr>
             <a:spLocks noGrp="1" noChangeArrowheads="1"/>
           </p:cNvSpPr>
@@ -17900,101 +17922,118 @@
             <p:ph sz="quarter" idx="10"/>
           </p:nvPr>
         </p:nvSpPr>
-        <p:spPr/>
+        <p:spPr>
+          <a:xfrm>
+            <a:off x="728296" y="905608"/>
+            <a:ext cx="10735408" cy="5046784"/>
+          </a:xfrm>
+        </p:spPr>
         <p:txBody>
           <a:bodyPr/>
           <a:lstStyle/>
           <a:p>
+            <a:pPr>
+              <a:spcBef>
+                <a:spcPts val="600"/>
+              </a:spcBef>
+            </a:pPr>
             <a:r>
               <a:rPr lang="zh-CN" sz="2800" dirty="0">
                 <a:sym typeface="Arial" charset="0"/>
               </a:rPr>
-              <a:t>URL类支持对WWW服务器的访问：使用这个类可以方便地访问WWW服务器上的资源。</a:t>
+              <a:t>InetAddress类和URL类：</a:t>
             </a:r>
           </a:p>
           <a:p>
+            <a:pPr lvl="1">
+              <a:spcBef>
+                <a:spcPts val="600"/>
+              </a:spcBef>
+            </a:pPr>
+            <a:r>
+              <a:rPr lang="zh-CN" sz="2400" dirty="0">
+                <a:sym typeface="Arial" charset="0"/>
+              </a:rPr>
+              <a:t>InetAddress类提供有关从域名地址查询IP地址的方法，类中没有构造器。TCP/IP面向连接服务类(Socket类和ServerSocket类)。</a:t>
+            </a:r>
+          </a:p>
+          <a:p>
+            <a:pPr>
+              <a:spcBef>
+                <a:spcPts val="600"/>
+              </a:spcBef>
+            </a:pPr>
             <a:r>
               <a:rPr lang="zh-CN" sz="2800" dirty="0">
                 <a:sym typeface="Arial" charset="0"/>
               </a:rPr>
-              <a:t>  URL类构造器：</a:t>
+              <a:t>getAddress() 返回4个字节的IP地址，是4个整数，有可能是负数，需要进行转换处理，才能正确显示。</a:t>
             </a:r>
           </a:p>
           <a:p>
-            <a:pPr marL="274320" lvl="1" indent="0">
-              <a:buNone/>
+            <a:pPr>
+              <a:spcBef>
+                <a:spcPts val="600"/>
+              </a:spcBef>
             </a:pPr>
             <a:r>
-              <a:rPr lang="zh-CN" sz="2400" dirty="0">
+              <a:rPr lang="zh-CN" sz="2800" dirty="0">
                 <a:sym typeface="Arial" charset="0"/>
               </a:rPr>
-              <a:t>public URL(String protocol,String host,int port, </a:t>
+              <a:t>getHostName() 返回被查询主机域名地址，即生成InetAddress对象时使用的字符串参数。</a:t>
             </a:r>
           </a:p>
           <a:p>
-            <a:pPr marL="274320" lvl="1" indent="0">
-              <a:buNone/>
+            <a:pPr>
+              <a:spcBef>
+                <a:spcPts val="600"/>
+              </a:spcBef>
             </a:pPr>
             <a:r>
-              <a:rPr lang="zh-CN" sz="2400" dirty="0">
+              <a:rPr lang="zh-CN" sz="2800" dirty="0">
                 <a:sym typeface="Arial" charset="0"/>
               </a:rPr>
-              <a:t>             String file);</a:t>
+              <a:t>getHostAddress() 返回IP地址，与getAddress不同，它是用字符串表示的IP地址，IP地址用十进制数表示，即"%d.%d.%d.%d"。</a:t>
             </a:r>
           </a:p>
+        </p:txBody>
+      </p:sp>
+      <p:sp>
+        <p:nvSpPr>
+          <p:cNvPr id="24580" name="Rectangle 4"/>
+          <p:cNvSpPr>
+            <a:spLocks noChangeArrowheads="1"/>
+          </p:cNvSpPr>
+          <p:nvPr/>
+        </p:nvSpPr>
+        <p:spPr bwMode="auto">
+          <a:xfrm>
+            <a:off x="8655050" y="6491288"/>
+            <a:ext cx="2012950" cy="366712"/>
+          </a:xfrm>
+          <a:prstGeom prst="rect">
+            <a:avLst/>
+          </a:prstGeom>
+          <a:noFill/>
+          <a:ln w="9525">
+            <a:noFill/>
+            <a:miter lim="800000"/>
+            <a:headEnd/>
+            <a:tailEnd/>
+          </a:ln>
+          <a:effectLst/>
+        </p:spPr>
+        <p:txBody>
+          <a:bodyPr wrap="none" anchor="ctr">
+            <a:spAutoFit/>
+          </a:bodyPr>
+          <a:lstStyle/>
           <a:p>
-            <a:pPr marL="274320" lvl="1" indent="0">
-              <a:buNone/>
-            </a:pPr>
-            <a:r>
-              <a:rPr lang="zh-CN" sz="2400" dirty="0">
-                <a:sym typeface="Arial" charset="0"/>
+            <a:r>
+              <a:rPr lang="en-US" altLang="zh-CN" dirty="0">
+                <a:ea typeface="宋体" charset="-122"/>
               </a:rPr>
-              <a:t>public URL(String protocol,String host,String file)</a:t>
-            </a:r>
-          </a:p>
-          <a:p>
-            <a:pPr marL="274320" lvl="1" indent="0">
-              <a:buNone/>
-            </a:pPr>
-            <a:r>
-              <a:rPr lang="zh-CN" sz="2400" dirty="0">
-                <a:sym typeface="Arial" charset="0"/>
-              </a:rPr>
-              <a:t>             throws MalformedURLException;</a:t>
-            </a:r>
-          </a:p>
-          <a:p>
-            <a:pPr marL="274320" lvl="1" indent="0">
-              <a:buNone/>
-            </a:pPr>
-            <a:r>
-              <a:rPr lang="zh-CN" sz="2400" dirty="0">
-                <a:sym typeface="Arial" charset="0"/>
-              </a:rPr>
-              <a:t>public URL(String spec)throws MalformedURLException;</a:t>
-            </a:r>
-          </a:p>
-          <a:p>
-            <a:pPr marL="274320" lvl="1" indent="0">
-              <a:buNone/>
-            </a:pPr>
-            <a:r>
-              <a:rPr lang="zh-CN" sz="2400" dirty="0">
-                <a:sym typeface="Arial" charset="0"/>
-              </a:rPr>
-              <a:t>public URL(URL context, String spec)</a:t>
-            </a:r>
-          </a:p>
-          <a:p>
-            <a:pPr marL="274320" lvl="1" indent="0">
-              <a:buNone/>
-            </a:pPr>
-            <a:r>
-              <a:rPr lang="zh-CN" sz="2400" dirty="0">
-                <a:sym typeface="Arial" charset="0"/>
-              </a:rPr>
-              <a:t>             throws MalformedURLException;</a:t>
+              <a:t>AddressTest.java </a:t>
             </a:r>
           </a:p>
         </p:txBody>
@@ -18038,7 +18077,7 @@
       </p:grpSpPr>
       <p:sp>
         <p:nvSpPr>
-          <p:cNvPr id="26626" name="Rectangle 2"/>
+          <p:cNvPr id="25602" name="Rectangle 2"/>
           <p:cNvSpPr>
             <a:spLocks noGrp="1" noChangeArrowheads="1"/>
           </p:cNvSpPr>
@@ -18062,7 +18101,7 @@
       </p:sp>
       <p:sp>
         <p:nvSpPr>
-          <p:cNvPr id="26627" name="Rectangle 3"/>
+          <p:cNvPr id="25603" name="Rectangle 3"/>
           <p:cNvSpPr>
             <a:spLocks noGrp="1" noChangeArrowheads="1"/>
           </p:cNvSpPr>
@@ -18075,172 +18114,96 @@
           <a:bodyPr/>
           <a:lstStyle/>
           <a:p>
-            <a:pPr>
-              <a:spcBef>
-                <a:spcPts val="1200"/>
-              </a:spcBef>
-            </a:pPr>
-            <a:r>
-              <a:rPr lang="zh-CN" dirty="0">
+            <a:r>
+              <a:rPr lang="zh-CN" sz="2800" dirty="0">
                 <a:sym typeface="Arial" charset="0"/>
               </a:rPr>
-              <a:t>URL的四个构造器能够很方便地生成URL对象。</a:t>
+              <a:t>URL类支持对WWW服务器的访问：使用这个类可以方便地访问WWW服务器上的资源。</a:t>
             </a:r>
           </a:p>
           <a:p>
-            <a:pPr>
-              <a:spcBef>
-                <a:spcPts val="1200"/>
-              </a:spcBef>
-            </a:pPr>
-            <a:r>
-              <a:rPr lang="zh-CN" dirty="0">
+            <a:r>
+              <a:rPr lang="zh-CN" sz="2800" dirty="0">
                 <a:sym typeface="Arial" charset="0"/>
               </a:rPr>
-              <a:t>其中：</a:t>
+              <a:t>  URL类构造器：</a:t>
             </a:r>
           </a:p>
           <a:p>
-            <a:pPr lvl="1"/>
-            <a:r>
-              <a:rPr lang="zh-CN" dirty="0">
+            <a:pPr marL="274320" lvl="1" indent="0">
+              <a:buNone/>
+            </a:pPr>
+            <a:r>
+              <a:rPr lang="zh-CN" sz="2400" dirty="0">
                 <a:sym typeface="Arial" charset="0"/>
               </a:rPr>
-              <a:t>protocol：协议</a:t>
+              <a:t>public URL(String protocol,String host,int port, </a:t>
             </a:r>
           </a:p>
           <a:p>
-            <a:pPr lvl="1"/>
-            <a:r>
-              <a:rPr lang="zh-CN" dirty="0">
+            <a:pPr marL="274320" lvl="1" indent="0">
+              <a:buNone/>
+            </a:pPr>
+            <a:r>
+              <a:rPr lang="zh-CN" sz="2400" dirty="0">
                 <a:sym typeface="Arial" charset="0"/>
               </a:rPr>
-              <a:t>host：主机域名</a:t>
+              <a:t>             String file);</a:t>
             </a:r>
           </a:p>
           <a:p>
-            <a:pPr lvl="1"/>
-            <a:r>
-              <a:rPr lang="zh-CN" dirty="0">
+            <a:pPr marL="274320" lvl="1" indent="0">
+              <a:buNone/>
+            </a:pPr>
+            <a:r>
+              <a:rPr lang="zh-CN" sz="2400" dirty="0">
                 <a:sym typeface="Arial" charset="0"/>
               </a:rPr>
-              <a:t>port：端口号</a:t>
+              <a:t>public URL(String protocol,String host,String file)</a:t>
             </a:r>
           </a:p>
           <a:p>
-            <a:pPr lvl="1"/>
-            <a:r>
-              <a:rPr lang="zh-CN" dirty="0">
+            <a:pPr marL="274320" lvl="1" indent="0">
+              <a:buNone/>
+            </a:pPr>
+            <a:r>
+              <a:rPr lang="zh-CN" sz="2400" dirty="0">
                 <a:sym typeface="Arial" charset="0"/>
               </a:rPr>
-              <a:t>file：文件名</a:t>
+              <a:t>             throws MalformedURLException;</a:t>
             </a:r>
           </a:p>
           <a:p>
-            <a:pPr lvl="1"/>
-            <a:r>
-              <a:rPr lang="zh-CN" dirty="0">
+            <a:pPr marL="274320" lvl="1" indent="0">
+              <a:buNone/>
+            </a:pPr>
+            <a:r>
+              <a:rPr lang="zh-CN" sz="2400" dirty="0">
                 <a:sym typeface="Arial" charset="0"/>
               </a:rPr>
-              <a:t>spec：完整的URL地址字符串</a:t>
+              <a:t>public URL(String spec)throws MalformedURLException;</a:t>
             </a:r>
           </a:p>
           <a:p>
-            <a:pPr lvl="1"/>
-            <a:r>
-              <a:rPr lang="zh-CN" dirty="0">
+            <a:pPr marL="274320" lvl="1" indent="0">
+              <a:buNone/>
+            </a:pPr>
+            <a:r>
+              <a:rPr lang="zh-CN" sz="2400" dirty="0">
                 <a:sym typeface="Arial" charset="0"/>
               </a:rPr>
-              <a:t>context是spec内容的补充。</a:t>
+              <a:t>public URL(URL context, String spec)</a:t>
             </a:r>
           </a:p>
           <a:p>
-            <a:pPr lvl="1"/>
-            <a:r>
-              <a:rPr lang="zh-CN" dirty="0">
+            <a:pPr marL="274320" lvl="1" indent="0">
+              <a:buNone/>
+            </a:pPr>
+            <a:r>
+              <a:rPr lang="zh-CN" sz="2400" dirty="0">
                 <a:sym typeface="Arial" charset="0"/>
               </a:rPr>
-              <a:t>MalformedURLException是创建URL对象可能抛出异常。</a:t>
-            </a:r>
-          </a:p>
-        </p:txBody>
-      </p:sp>
-      <p:sp>
-        <p:nvSpPr>
-          <p:cNvPr id="26628" name="Rectangle 4"/>
-          <p:cNvSpPr>
-            <a:spLocks noChangeArrowheads="1"/>
-          </p:cNvSpPr>
-          <p:nvPr/>
-        </p:nvSpPr>
-        <p:spPr bwMode="auto">
-          <a:xfrm>
-            <a:off x="6705600" y="6491288"/>
-            <a:ext cx="1593850" cy="366712"/>
-          </a:xfrm>
-          <a:prstGeom prst="rect">
-            <a:avLst/>
-          </a:prstGeom>
-          <a:noFill/>
-          <a:ln w="9525">
-            <a:noFill/>
-            <a:miter lim="800000"/>
-            <a:headEnd/>
-            <a:tailEnd/>
-          </a:ln>
-          <a:effectLst/>
-        </p:spPr>
-        <p:txBody>
-          <a:bodyPr wrap="none" anchor="ctr">
-            <a:spAutoFit/>
-          </a:bodyPr>
-          <a:lstStyle/>
-          <a:p>
-            <a:r>
-              <a:rPr lang="en-US" altLang="zh-CN">
-                <a:ea typeface="宋体" charset="-122"/>
-              </a:rPr>
-              <a:t>UrlTest1.java </a:t>
-            </a:r>
-          </a:p>
-        </p:txBody>
-      </p:sp>
-      <p:sp>
-        <p:nvSpPr>
-          <p:cNvPr id="26629" name="Rectangle 5"/>
-          <p:cNvSpPr>
-            <a:spLocks noChangeArrowheads="1"/>
-          </p:cNvSpPr>
-          <p:nvPr/>
-        </p:nvSpPr>
-        <p:spPr bwMode="auto">
-          <a:xfrm>
-            <a:off x="8153400" y="6491288"/>
-            <a:ext cx="1593850" cy="366712"/>
-          </a:xfrm>
-          <a:prstGeom prst="rect">
-            <a:avLst/>
-          </a:prstGeom>
-          <a:noFill/>
-          <a:ln w="9525">
-            <a:noFill/>
-            <a:miter lim="800000"/>
-            <a:headEnd/>
-            <a:tailEnd/>
-          </a:ln>
-          <a:effectLst/>
-        </p:spPr>
-        <p:txBody>
-          <a:bodyPr wrap="none" anchor="ctr">
-            <a:spAutoFit/>
-          </a:bodyPr>
-          <a:lstStyle/>
-          <a:p>
-            <a:r>
-              <a:rPr lang="en-US" altLang="zh-CN" dirty="0">
-                <a:ea typeface="宋体" charset="-122"/>
-              </a:rPr>
-              <a:t>UrlTest2.java </a:t>
+              <a:t>             throws MalformedURLException;</a:t>
             </a:r>
           </a:p>
         </p:txBody>
@@ -18284,6 +18247,252 @@
       </p:grpSpPr>
       <p:sp>
         <p:nvSpPr>
+          <p:cNvPr id="26626" name="Rectangle 2"/>
+          <p:cNvSpPr>
+            <a:spLocks noGrp="1" noChangeArrowheads="1"/>
+          </p:cNvSpPr>
+          <p:nvPr>
+            <p:ph type="title"/>
+          </p:nvPr>
+        </p:nvSpPr>
+        <p:spPr/>
+        <p:txBody>
+          <a:bodyPr/>
+          <a:lstStyle/>
+          <a:p>
+            <a:r>
+              <a:rPr lang="zh-CN">
+                <a:sym typeface="Arial" charset="0"/>
+              </a:rPr>
+              <a:t>java.net包</a:t>
+            </a:r>
+          </a:p>
+        </p:txBody>
+      </p:sp>
+      <p:sp>
+        <p:nvSpPr>
+          <p:cNvPr id="26627" name="Rectangle 3"/>
+          <p:cNvSpPr>
+            <a:spLocks noGrp="1" noChangeArrowheads="1"/>
+          </p:cNvSpPr>
+          <p:nvPr>
+            <p:ph sz="quarter" idx="10"/>
+          </p:nvPr>
+        </p:nvSpPr>
+        <p:spPr/>
+        <p:txBody>
+          <a:bodyPr/>
+          <a:lstStyle/>
+          <a:p>
+            <a:pPr>
+              <a:spcBef>
+                <a:spcPts val="1200"/>
+              </a:spcBef>
+            </a:pPr>
+            <a:r>
+              <a:rPr lang="zh-CN" dirty="0">
+                <a:sym typeface="Arial" charset="0"/>
+              </a:rPr>
+              <a:t>URL的四个构造器能够很方便地生成URL对象。</a:t>
+            </a:r>
+          </a:p>
+          <a:p>
+            <a:pPr>
+              <a:spcBef>
+                <a:spcPts val="1200"/>
+              </a:spcBef>
+            </a:pPr>
+            <a:r>
+              <a:rPr lang="zh-CN" dirty="0">
+                <a:sym typeface="Arial" charset="0"/>
+              </a:rPr>
+              <a:t>其中：</a:t>
+            </a:r>
+          </a:p>
+          <a:p>
+            <a:pPr lvl="1"/>
+            <a:r>
+              <a:rPr lang="zh-CN" dirty="0">
+                <a:sym typeface="Arial" charset="0"/>
+              </a:rPr>
+              <a:t>protocol：协议</a:t>
+            </a:r>
+          </a:p>
+          <a:p>
+            <a:pPr lvl="1"/>
+            <a:r>
+              <a:rPr lang="zh-CN" dirty="0">
+                <a:sym typeface="Arial" charset="0"/>
+              </a:rPr>
+              <a:t>host：主机域名</a:t>
+            </a:r>
+          </a:p>
+          <a:p>
+            <a:pPr lvl="1"/>
+            <a:r>
+              <a:rPr lang="zh-CN" dirty="0">
+                <a:sym typeface="Arial" charset="0"/>
+              </a:rPr>
+              <a:t>port：端口号</a:t>
+            </a:r>
+          </a:p>
+          <a:p>
+            <a:pPr lvl="1"/>
+            <a:r>
+              <a:rPr lang="zh-CN" dirty="0">
+                <a:sym typeface="Arial" charset="0"/>
+              </a:rPr>
+              <a:t>file：文件名</a:t>
+            </a:r>
+          </a:p>
+          <a:p>
+            <a:pPr lvl="1"/>
+            <a:r>
+              <a:rPr lang="zh-CN" dirty="0">
+                <a:sym typeface="Arial" charset="0"/>
+              </a:rPr>
+              <a:t>spec：完整的URL地址字符串</a:t>
+            </a:r>
+          </a:p>
+          <a:p>
+            <a:pPr lvl="1"/>
+            <a:r>
+              <a:rPr lang="zh-CN" dirty="0">
+                <a:sym typeface="Arial" charset="0"/>
+              </a:rPr>
+              <a:t>context是spec内容的补充。</a:t>
+            </a:r>
+          </a:p>
+          <a:p>
+            <a:pPr lvl="1"/>
+            <a:r>
+              <a:rPr lang="zh-CN" dirty="0">
+                <a:sym typeface="Arial" charset="0"/>
+              </a:rPr>
+              <a:t>MalformedURLException是创建URL对象可能抛出异常。</a:t>
+            </a:r>
+          </a:p>
+        </p:txBody>
+      </p:sp>
+      <p:sp>
+        <p:nvSpPr>
+          <p:cNvPr id="26628" name="Rectangle 4"/>
+          <p:cNvSpPr>
+            <a:spLocks noChangeArrowheads="1"/>
+          </p:cNvSpPr>
+          <p:nvPr/>
+        </p:nvSpPr>
+        <p:spPr bwMode="auto">
+          <a:xfrm>
+            <a:off x="6705600" y="6491288"/>
+            <a:ext cx="1593850" cy="366712"/>
+          </a:xfrm>
+          <a:prstGeom prst="rect">
+            <a:avLst/>
+          </a:prstGeom>
+          <a:noFill/>
+          <a:ln w="9525">
+            <a:noFill/>
+            <a:miter lim="800000"/>
+            <a:headEnd/>
+            <a:tailEnd/>
+          </a:ln>
+          <a:effectLst/>
+        </p:spPr>
+        <p:txBody>
+          <a:bodyPr wrap="none" anchor="ctr">
+            <a:spAutoFit/>
+          </a:bodyPr>
+          <a:lstStyle/>
+          <a:p>
+            <a:r>
+              <a:rPr lang="en-US" altLang="zh-CN">
+                <a:ea typeface="宋体" charset="-122"/>
+              </a:rPr>
+              <a:t>UrlTest1.java </a:t>
+            </a:r>
+          </a:p>
+        </p:txBody>
+      </p:sp>
+      <p:sp>
+        <p:nvSpPr>
+          <p:cNvPr id="26629" name="Rectangle 5"/>
+          <p:cNvSpPr>
+            <a:spLocks noChangeArrowheads="1"/>
+          </p:cNvSpPr>
+          <p:nvPr/>
+        </p:nvSpPr>
+        <p:spPr bwMode="auto">
+          <a:xfrm>
+            <a:off x="8153400" y="6491288"/>
+            <a:ext cx="1593850" cy="366712"/>
+          </a:xfrm>
+          <a:prstGeom prst="rect">
+            <a:avLst/>
+          </a:prstGeom>
+          <a:noFill/>
+          <a:ln w="9525">
+            <a:noFill/>
+            <a:miter lim="800000"/>
+            <a:headEnd/>
+            <a:tailEnd/>
+          </a:ln>
+          <a:effectLst/>
+        </p:spPr>
+        <p:txBody>
+          <a:bodyPr wrap="none" anchor="ctr">
+            <a:spAutoFit/>
+          </a:bodyPr>
+          <a:lstStyle/>
+          <a:p>
+            <a:r>
+              <a:rPr lang="en-US" altLang="zh-CN" dirty="0">
+                <a:ea typeface="宋体" charset="-122"/>
+              </a:rPr>
+              <a:t>UrlTest2.java </a:t>
+            </a:r>
+          </a:p>
+        </p:txBody>
+      </p:sp>
+    </p:spTree>
+  </p:cSld>
+  <p:clrMapOvr>
+    <a:masterClrMapping/>
+  </p:clrMapOvr>
+  <mc:AlternateContent xmlns:mc="http://schemas.openxmlformats.org/markup-compatibility/2006" xmlns:p14="http://schemas.microsoft.com/office/powerpoint/2010/main">
+    <mc:Choice Requires="p14">
+      <p:transition spd="med" p14:dur="700">
+        <p:fade/>
+      </p:transition>
+    </mc:Choice>
+    <mc:Fallback xmlns="">
+      <p:transition spd="med">
+        <p:fade/>
+      </p:transition>
+    </mc:Fallback>
+  </mc:AlternateContent>
+</p:sld>
+</file>
+
+<file path=ppt/slides/slide17.xml><?xml version="1.0" encoding="utf-8"?>
+<p:sld xmlns:a="http://schemas.openxmlformats.org/drawingml/2006/main" xmlns:r="http://schemas.openxmlformats.org/officeDocument/2006/relationships" xmlns:p="http://schemas.openxmlformats.org/presentationml/2006/main">
+  <p:cSld>
+    <p:spTree>
+      <p:nvGrpSpPr>
+        <p:cNvPr id="1" name=""/>
+        <p:cNvGrpSpPr/>
+        <p:nvPr/>
+      </p:nvGrpSpPr>
+      <p:grpSpPr>
+        <a:xfrm>
+          <a:off x="0" y="0"/>
+          <a:ext cx="0" cy="0"/>
+          <a:chOff x="0" y="0"/>
+          <a:chExt cx="0" cy="0"/>
+        </a:xfrm>
+      </p:grpSpPr>
+      <p:sp>
+        <p:nvSpPr>
           <p:cNvPr id="27650" name="Rectangle 2"/>
           <p:cNvSpPr>
             <a:spLocks noGrp="1" noChangeArrowheads="1"/>
@@ -18427,7 +18636,7 @@
 </p:sld>
 </file>
 
-<file path=ppt/slides/slide17.xml><?xml version="1.0" encoding="utf-8"?>
+<file path=ppt/slides/slide18.xml><?xml version="1.0" encoding="utf-8"?>
 <p:sld xmlns:a="http://schemas.openxmlformats.org/drawingml/2006/main" xmlns:r="http://schemas.openxmlformats.org/officeDocument/2006/relationships" xmlns:p="http://schemas.openxmlformats.org/presentationml/2006/main">
   <p:cSld>
     <p:spTree>
@@ -18644,7 +18853,7 @@
 </p:sld>
 </file>
 
-<file path=ppt/slides/slide18.xml><?xml version="1.0" encoding="utf-8"?>
+<file path=ppt/slides/slide19.xml><?xml version="1.0" encoding="utf-8"?>
 <p:sld xmlns:a="http://schemas.openxmlformats.org/drawingml/2006/main" xmlns:r="http://schemas.openxmlformats.org/officeDocument/2006/relationships" xmlns:p="http://schemas.openxmlformats.org/presentationml/2006/main">
   <p:cSld>
     <p:spTree>
@@ -18908,7 +19117,100 @@
 </p:sld>
 </file>
 
-<file path=ppt/slides/slide19.xml><?xml version="1.0" encoding="utf-8"?>
+<file path=ppt/slides/slide2.xml><?xml version="1.0" encoding="utf-8"?>
+<p:sld xmlns:a="http://schemas.openxmlformats.org/drawingml/2006/main" xmlns:r="http://schemas.openxmlformats.org/officeDocument/2006/relationships" xmlns:p="http://schemas.openxmlformats.org/presentationml/2006/main">
+  <p:cSld>
+    <p:spTree>
+      <p:nvGrpSpPr>
+        <p:cNvPr id="1" name=""/>
+        <p:cNvGrpSpPr/>
+        <p:nvPr/>
+      </p:nvGrpSpPr>
+      <p:grpSpPr>
+        <a:xfrm>
+          <a:off x="0" y="0"/>
+          <a:ext cx="0" cy="0"/>
+          <a:chOff x="0" y="0"/>
+          <a:chExt cx="0" cy="0"/>
+        </a:xfrm>
+      </p:grpSpPr>
+      <p:sp>
+        <p:nvSpPr>
+          <p:cNvPr id="11266" name="Rectangle 2"/>
+          <p:cNvSpPr>
+            <a:spLocks noGrp="1" noChangeArrowheads="1"/>
+          </p:cNvSpPr>
+          <p:nvPr>
+            <p:ph type="title"/>
+          </p:nvPr>
+        </p:nvSpPr>
+        <p:spPr/>
+        <p:txBody>
+          <a:bodyPr/>
+          <a:lstStyle/>
+          <a:p>
+            <a:r>
+              <a:rPr lang="zh-CN" altLang="en-US"/>
+              <a:t>第</a:t>
+            </a:r>
+            <a:r>
+              <a:rPr lang="en-US" altLang="zh-CN"/>
+              <a:t>10</a:t>
+            </a:r>
+            <a:r>
+              <a:rPr lang="zh-CN" altLang="en-US"/>
+              <a:t>章 网络编程</a:t>
+            </a:r>
+            <a:endParaRPr lang="zh-CN" altLang="en-US" dirty="0"/>
+          </a:p>
+        </p:txBody>
+      </p:sp>
+      <p:graphicFrame>
+        <p:nvGraphicFramePr>
+          <p:cNvPr id="27" name="内容占位符 3"/>
+          <p:cNvGraphicFramePr>
+            <a:graphicFrameLocks noGrp="1"/>
+          </p:cNvGraphicFramePr>
+          <p:nvPr>
+            <p:ph sz="quarter" idx="10"/>
+            <p:extLst>
+              <p:ext uri="{D42A27DB-BD31-4B8C-83A1-F6EECF244321}">
+                <p14:modId xmlns:p14="http://schemas.microsoft.com/office/powerpoint/2010/main" val="3546325669"/>
+              </p:ext>
+            </p:extLst>
+          </p:nvPr>
+        </p:nvGraphicFramePr>
+        <p:xfrm>
+          <a:off x="658813" y="1019175"/>
+          <a:ext cx="10736262" cy="5048250"/>
+        </p:xfrm>
+        <a:graphic>
+          <a:graphicData uri="http://schemas.openxmlformats.org/drawingml/2006/diagram">
+            <dgm:relIds xmlns:dgm="http://schemas.openxmlformats.org/drawingml/2006/diagram" xmlns:r="http://schemas.openxmlformats.org/officeDocument/2006/relationships" r:dm="rId2" r:lo="rId3" r:qs="rId4" r:cs="rId5"/>
+          </a:graphicData>
+        </a:graphic>
+      </p:graphicFrame>
+    </p:spTree>
+  </p:cSld>
+  <p:clrMapOvr>
+    <a:masterClrMapping/>
+  </p:clrMapOvr>
+  <mc:AlternateContent xmlns:mc="http://schemas.openxmlformats.org/markup-compatibility/2006" xmlns:p14="http://schemas.microsoft.com/office/powerpoint/2010/main">
+    <mc:Choice Requires="p14">
+      <p:transition spd="med" p14:dur="700">
+        <p:fade/>
+      </p:transition>
+    </mc:Choice>
+    <mc:Fallback xmlns="">
+      <p:transition spd="med">
+        <p:fade/>
+      </p:transition>
+    </mc:Fallback>
+  </mc:AlternateContent>
+</p:sld>
+</file>
+
+<file path=ppt/slides/slide20.xml><?xml version="1.0" encoding="utf-8"?>
 <p:sld xmlns:a="http://schemas.openxmlformats.org/drawingml/2006/main" xmlns:r="http://schemas.openxmlformats.org/officeDocument/2006/relationships" xmlns:p="http://schemas.openxmlformats.org/presentationml/2006/main">
   <p:cSld>
     <p:spTree>
@@ -19363,100 +19665,7 @@
 </p:sld>
 </file>
 
-<file path=ppt/slides/slide2.xml><?xml version="1.0" encoding="utf-8"?>
-<p:sld xmlns:a="http://schemas.openxmlformats.org/drawingml/2006/main" xmlns:r="http://schemas.openxmlformats.org/officeDocument/2006/relationships" xmlns:p="http://schemas.openxmlformats.org/presentationml/2006/main">
-  <p:cSld>
-    <p:spTree>
-      <p:nvGrpSpPr>
-        <p:cNvPr id="1" name=""/>
-        <p:cNvGrpSpPr/>
-        <p:nvPr/>
-      </p:nvGrpSpPr>
-      <p:grpSpPr>
-        <a:xfrm>
-          <a:off x="0" y="0"/>
-          <a:ext cx="0" cy="0"/>
-          <a:chOff x="0" y="0"/>
-          <a:chExt cx="0" cy="0"/>
-        </a:xfrm>
-      </p:grpSpPr>
-      <p:sp>
-        <p:nvSpPr>
-          <p:cNvPr id="11266" name="Rectangle 2"/>
-          <p:cNvSpPr>
-            <a:spLocks noGrp="1" noChangeArrowheads="1"/>
-          </p:cNvSpPr>
-          <p:nvPr>
-            <p:ph type="title"/>
-          </p:nvPr>
-        </p:nvSpPr>
-        <p:spPr/>
-        <p:txBody>
-          <a:bodyPr/>
-          <a:lstStyle/>
-          <a:p>
-            <a:r>
-              <a:rPr lang="zh-CN" altLang="en-US"/>
-              <a:t>第</a:t>
-            </a:r>
-            <a:r>
-              <a:rPr lang="en-US" altLang="zh-CN"/>
-              <a:t>10</a:t>
-            </a:r>
-            <a:r>
-              <a:rPr lang="zh-CN" altLang="en-US"/>
-              <a:t>章 网络编程</a:t>
-            </a:r>
-            <a:endParaRPr lang="zh-CN" altLang="en-US" dirty="0"/>
-          </a:p>
-        </p:txBody>
-      </p:sp>
-      <p:graphicFrame>
-        <p:nvGraphicFramePr>
-          <p:cNvPr id="27" name="内容占位符 3"/>
-          <p:cNvGraphicFramePr>
-            <a:graphicFrameLocks noGrp="1"/>
-          </p:cNvGraphicFramePr>
-          <p:nvPr>
-            <p:ph sz="quarter" idx="10"/>
-            <p:extLst>
-              <p:ext uri="{D42A27DB-BD31-4B8C-83A1-F6EECF244321}">
-                <p14:modId xmlns:p14="http://schemas.microsoft.com/office/powerpoint/2010/main" val="3546325669"/>
-              </p:ext>
-            </p:extLst>
-          </p:nvPr>
-        </p:nvGraphicFramePr>
-        <p:xfrm>
-          <a:off x="658813" y="1019175"/>
-          <a:ext cx="10736262" cy="5048250"/>
-        </p:xfrm>
-        <a:graphic>
-          <a:graphicData uri="http://schemas.openxmlformats.org/drawingml/2006/diagram">
-            <dgm:relIds xmlns:dgm="http://schemas.openxmlformats.org/drawingml/2006/diagram" xmlns:r="http://schemas.openxmlformats.org/officeDocument/2006/relationships" r:dm="rId2" r:lo="rId3" r:qs="rId4" r:cs="rId5"/>
-          </a:graphicData>
-        </a:graphic>
-      </p:graphicFrame>
-    </p:spTree>
-  </p:cSld>
-  <p:clrMapOvr>
-    <a:masterClrMapping/>
-  </p:clrMapOvr>
-  <mc:AlternateContent xmlns:mc="http://schemas.openxmlformats.org/markup-compatibility/2006" xmlns:p14="http://schemas.microsoft.com/office/powerpoint/2010/main">
-    <mc:Choice Requires="p14">
-      <p:transition spd="med" p14:dur="700">
-        <p:fade/>
-      </p:transition>
-    </mc:Choice>
-    <mc:Fallback xmlns="">
-      <p:transition spd="med">
-        <p:fade/>
-      </p:transition>
-    </mc:Fallback>
-  </mc:AlternateContent>
-</p:sld>
-</file>
-
-<file path=ppt/slides/slide20.xml><?xml version="1.0" encoding="utf-8"?>
+<file path=ppt/slides/slide21.xml><?xml version="1.0" encoding="utf-8"?>
 <p:sld xmlns:a="http://schemas.openxmlformats.org/drawingml/2006/main" xmlns:r="http://schemas.openxmlformats.org/officeDocument/2006/relationships" xmlns:p="http://schemas.openxmlformats.org/presentationml/2006/main">
   <p:cSld>
     <p:spTree>
@@ -19618,298 +19827,6 @@
                 <a:ea typeface="宋体" charset="-122"/>
               </a:rPr>
               <a:t>ClientChat.java </a:t>
-            </a:r>
-          </a:p>
-        </p:txBody>
-      </p:sp>
-    </p:spTree>
-  </p:cSld>
-  <p:clrMapOvr>
-    <a:masterClrMapping/>
-  </p:clrMapOvr>
-  <mc:AlternateContent xmlns:mc="http://schemas.openxmlformats.org/markup-compatibility/2006" xmlns:p14="http://schemas.microsoft.com/office/powerpoint/2010/main">
-    <mc:Choice Requires="p14">
-      <p:transition spd="med" p14:dur="700">
-        <p:fade/>
-      </p:transition>
-    </mc:Choice>
-    <mc:Fallback xmlns="">
-      <p:transition spd="med">
-        <p:fade/>
-      </p:transition>
-    </mc:Fallback>
-  </mc:AlternateContent>
-</p:sld>
-</file>
-
-<file path=ppt/slides/slide21.xml><?xml version="1.0" encoding="utf-8"?>
-<p:sld xmlns:a="http://schemas.openxmlformats.org/drawingml/2006/main" xmlns:r="http://schemas.openxmlformats.org/officeDocument/2006/relationships" xmlns:p="http://schemas.openxmlformats.org/presentationml/2006/main">
-  <p:cSld>
-    <p:spTree>
-      <p:nvGrpSpPr>
-        <p:cNvPr id="1" name=""/>
-        <p:cNvGrpSpPr/>
-        <p:nvPr/>
-      </p:nvGrpSpPr>
-      <p:grpSpPr>
-        <a:xfrm>
-          <a:off x="0" y="0"/>
-          <a:ext cx="0" cy="0"/>
-          <a:chOff x="0" y="0"/>
-          <a:chExt cx="0" cy="0"/>
-        </a:xfrm>
-      </p:grpSpPr>
-      <p:sp>
-        <p:nvSpPr>
-          <p:cNvPr id="40962" name="Rectangle 2"/>
-          <p:cNvSpPr>
-            <a:spLocks noGrp="1" noChangeArrowheads="1"/>
-          </p:cNvSpPr>
-          <p:nvPr>
-            <p:ph type="title"/>
-          </p:nvPr>
-        </p:nvSpPr>
-        <p:spPr>
-          <a:xfrm>
-            <a:off x="571501" y="0"/>
-            <a:ext cx="10235044" cy="668780"/>
-          </a:xfrm>
-        </p:spPr>
-        <p:txBody>
-          <a:bodyPr/>
-          <a:lstStyle/>
-          <a:p>
-            <a:r>
-              <a:rPr lang="en-US" altLang="zh-CN" dirty="0" err="1"/>
-              <a:t>DatagramPacket</a:t>
-            </a:r>
-            <a:r>
-              <a:rPr lang="zh-CN" altLang="en-US" dirty="0"/>
-              <a:t>类和</a:t>
-            </a:r>
-            <a:r>
-              <a:rPr lang="en-US" altLang="zh-CN" dirty="0" err="1"/>
-              <a:t>DatagramSocket</a:t>
-            </a:r>
-            <a:r>
-              <a:rPr lang="zh-CN" altLang="en-US" dirty="0"/>
-              <a:t>类 </a:t>
-            </a:r>
-          </a:p>
-        </p:txBody>
-      </p:sp>
-      <p:sp>
-        <p:nvSpPr>
-          <p:cNvPr id="40963" name="Rectangle 3"/>
-          <p:cNvSpPr>
-            <a:spLocks noGrp="1" noChangeArrowheads="1"/>
-          </p:cNvSpPr>
-          <p:nvPr>
-            <p:ph sz="quarter" idx="10"/>
-          </p:nvPr>
-        </p:nvSpPr>
-        <p:spPr/>
-        <p:txBody>
-          <a:bodyPr/>
-          <a:lstStyle/>
-          <a:p>
-            <a:r>
-              <a:rPr lang="en-US" altLang="zh-CN" sz="2800" dirty="0" err="1"/>
-              <a:t>DatagramPacket</a:t>
-            </a:r>
-            <a:r>
-              <a:rPr lang="zh-CN" altLang="en-US" sz="2800" dirty="0"/>
-              <a:t>类用来实现一个无连接包的传送服务。 每条消息从一台机器发送到到另一台机器的选径仅依赖于这个包所包含的信息。 多个包从一台机器发送到另一台机器可能经过不同的路径，并且以任意顺序到达。</a:t>
-            </a:r>
-          </a:p>
-          <a:p>
-            <a:r>
-              <a:rPr lang="zh-CN" altLang="en-US" sz="2800" dirty="0"/>
-              <a:t>构建器：</a:t>
-            </a:r>
-            <a:endParaRPr lang="en-US" altLang="zh-CN" sz="2800" dirty="0"/>
-          </a:p>
-          <a:p>
-            <a:pPr lvl="1"/>
-            <a:r>
-              <a:rPr lang="en-US" altLang="zh-CN" sz="2400" dirty="0" err="1"/>
-              <a:t>DatagramPacket</a:t>
-            </a:r>
-            <a:r>
-              <a:rPr lang="en-US" altLang="zh-CN" sz="2400" dirty="0"/>
-              <a:t>(byte[] </a:t>
-            </a:r>
-            <a:r>
-              <a:rPr lang="en-US" altLang="zh-CN" sz="2400" dirty="0" err="1"/>
-              <a:t>buf</a:t>
-            </a:r>
-            <a:r>
-              <a:rPr lang="en-US" altLang="zh-CN" sz="2400" dirty="0"/>
-              <a:t>, </a:t>
-            </a:r>
-            <a:r>
-              <a:rPr lang="en-US" altLang="zh-CN" sz="2400" dirty="0" err="1"/>
-              <a:t>int</a:t>
-            </a:r>
-            <a:r>
-              <a:rPr lang="en-US" altLang="zh-CN" sz="2400" dirty="0"/>
-              <a:t> length, </a:t>
-            </a:r>
-            <a:r>
-              <a:rPr lang="en-US" altLang="zh-CN" sz="2400" dirty="0" err="1"/>
-              <a:t>InetAddress</a:t>
-            </a:r>
-            <a:r>
-              <a:rPr lang="en-US" altLang="zh-CN" sz="2400" dirty="0"/>
-              <a:t> </a:t>
-            </a:r>
-            <a:r>
-              <a:rPr lang="en-US" altLang="zh-CN" sz="2400" dirty="0" err="1"/>
-              <a:t>addr</a:t>
-            </a:r>
-            <a:r>
-              <a:rPr lang="en-US" altLang="zh-CN" sz="2400" dirty="0"/>
-              <a:t>, </a:t>
-            </a:r>
-            <a:r>
-              <a:rPr lang="en-US" altLang="zh-CN" sz="2400" dirty="0" err="1"/>
-              <a:t>int</a:t>
-            </a:r>
-            <a:r>
-              <a:rPr lang="en-US" altLang="zh-CN" sz="2400" dirty="0"/>
-              <a:t> port)</a:t>
-            </a:r>
-            <a:r>
-              <a:rPr lang="zh-CN" altLang="en-US" sz="2400" dirty="0"/>
-              <a:t>：从</a:t>
-            </a:r>
-            <a:r>
-              <a:rPr lang="en-US" altLang="zh-CN" sz="2400" dirty="0" err="1"/>
-              <a:t>Buf</a:t>
-            </a:r>
-            <a:r>
-              <a:rPr lang="zh-CN" altLang="en-US" sz="2400" dirty="0"/>
-              <a:t>数组中，取出</a:t>
-            </a:r>
-            <a:r>
-              <a:rPr lang="en-US" altLang="zh-CN" sz="2400" dirty="0"/>
-              <a:t>Length</a:t>
-            </a:r>
-            <a:r>
-              <a:rPr lang="zh-CN" altLang="en-US" sz="2400" dirty="0"/>
-              <a:t>长的数据创建数据包对象，目标是</a:t>
-            </a:r>
-            <a:r>
-              <a:rPr lang="en-US" altLang="zh-CN" sz="2400" dirty="0" err="1"/>
-              <a:t>Addr</a:t>
-            </a:r>
-            <a:r>
-              <a:rPr lang="zh-CN" altLang="en-US" sz="2400" dirty="0"/>
-              <a:t>地址，</a:t>
-            </a:r>
-            <a:r>
-              <a:rPr lang="en-US" altLang="zh-CN" sz="2400" dirty="0"/>
-              <a:t>Port</a:t>
-            </a:r>
-            <a:r>
-              <a:rPr lang="zh-CN" altLang="en-US" sz="2400" dirty="0"/>
-              <a:t>端口。</a:t>
-            </a:r>
-            <a:endParaRPr lang="en-US" altLang="zh-CN" sz="2400" dirty="0"/>
-          </a:p>
-          <a:p>
-            <a:pPr lvl="1"/>
-            <a:r>
-              <a:rPr lang="en-US" altLang="zh-CN" sz="2400" dirty="0" err="1"/>
-              <a:t>DatagramPacket</a:t>
-            </a:r>
-            <a:r>
-              <a:rPr lang="en-US" altLang="zh-CN" sz="2400" dirty="0"/>
-              <a:t>(byte[] </a:t>
-            </a:r>
-            <a:r>
-              <a:rPr lang="en-US" altLang="zh-CN" sz="2400" dirty="0" err="1"/>
-              <a:t>buf</a:t>
-            </a:r>
-            <a:r>
-              <a:rPr lang="en-US" altLang="zh-CN" sz="2400" dirty="0"/>
-              <a:t>, </a:t>
-            </a:r>
-            <a:r>
-              <a:rPr lang="en-US" altLang="zh-CN" sz="2400" dirty="0" err="1"/>
-              <a:t>int</a:t>
-            </a:r>
-            <a:r>
-              <a:rPr lang="en-US" altLang="zh-CN" sz="2400" dirty="0"/>
-              <a:t> offset, </a:t>
-            </a:r>
-            <a:r>
-              <a:rPr lang="en-US" altLang="zh-CN" sz="2400" dirty="0" err="1"/>
-              <a:t>int</a:t>
-            </a:r>
-            <a:r>
-              <a:rPr lang="en-US" altLang="zh-CN" sz="2400" dirty="0"/>
-              <a:t> length, </a:t>
-            </a:r>
-            <a:r>
-              <a:rPr lang="en-US" altLang="zh-CN" sz="2400" dirty="0" err="1"/>
-              <a:t>InetAddress</a:t>
-            </a:r>
-            <a:r>
-              <a:rPr lang="en-US" altLang="zh-CN" sz="2400" dirty="0"/>
-              <a:t> address, </a:t>
-            </a:r>
-            <a:r>
-              <a:rPr lang="en-US" altLang="zh-CN" sz="2400" dirty="0" err="1"/>
-              <a:t>int</a:t>
-            </a:r>
-            <a:r>
-              <a:rPr lang="en-US" altLang="zh-CN" sz="2400" dirty="0"/>
-              <a:t> port)</a:t>
-            </a:r>
-            <a:r>
-              <a:rPr lang="zh-CN" altLang="en-US" sz="2400" dirty="0"/>
-              <a:t>：从</a:t>
-            </a:r>
-            <a:r>
-              <a:rPr lang="en-US" altLang="zh-CN" sz="2400" dirty="0" err="1"/>
-              <a:t>Buf</a:t>
-            </a:r>
-            <a:r>
-              <a:rPr lang="zh-CN" altLang="en-US" sz="2400" dirty="0"/>
-              <a:t>数组中，取出</a:t>
-            </a:r>
-            <a:r>
-              <a:rPr lang="en-US" altLang="zh-CN" sz="2400" dirty="0"/>
-              <a:t>Offset</a:t>
-            </a:r>
-            <a:r>
-              <a:rPr lang="zh-CN" altLang="en-US" sz="2400" dirty="0"/>
-              <a:t>开始的、</a:t>
-            </a:r>
-            <a:r>
-              <a:rPr lang="en-US" altLang="zh-CN" sz="2400" dirty="0"/>
-              <a:t>Length</a:t>
-            </a:r>
-            <a:r>
-              <a:rPr lang="zh-CN" altLang="en-US" sz="2400" dirty="0"/>
-              <a:t>长的数据创建数据包对象，目标是</a:t>
-            </a:r>
-            <a:r>
-              <a:rPr lang="en-US" altLang="zh-CN" sz="2400" dirty="0" err="1"/>
-              <a:t>Addr</a:t>
-            </a:r>
-            <a:r>
-              <a:rPr lang="zh-CN" altLang="en-US" sz="2400" dirty="0"/>
-              <a:t>地址，</a:t>
-            </a:r>
-            <a:r>
-              <a:rPr lang="en-US" altLang="zh-CN" sz="2400" dirty="0"/>
-              <a:t>Port</a:t>
-            </a:r>
-            <a:r>
-              <a:rPr lang="zh-CN" altLang="en-US" sz="2400" dirty="0"/>
-              <a:t>端口。</a:t>
             </a:r>
           </a:p>
         </p:txBody>
@@ -19953,7 +19870,7 @@
       </p:grpSpPr>
       <p:sp>
         <p:nvSpPr>
-          <p:cNvPr id="41986" name="Rectangle 2"/>
+          <p:cNvPr id="40962" name="Rectangle 2"/>
           <p:cNvSpPr>
             <a:spLocks noGrp="1" noChangeArrowheads="1"/>
           </p:cNvSpPr>
@@ -19964,7 +19881,7 @@
         <p:spPr>
           <a:xfrm>
             <a:off x="571501" y="0"/>
-            <a:ext cx="11294917" cy="668780"/>
+            <a:ext cx="10235044" cy="668780"/>
           </a:xfrm>
         </p:spPr>
         <p:txBody>
@@ -19985,14 +19902,14 @@
             </a:r>
             <a:r>
               <a:rPr lang="zh-CN" altLang="en-US" dirty="0"/>
-              <a:t>类</a:t>
+              <a:t>类 </a:t>
             </a:r>
           </a:p>
         </p:txBody>
       </p:sp>
       <p:sp>
         <p:nvSpPr>
-          <p:cNvPr id="41987" name="Rectangle 3"/>
+          <p:cNvPr id="40963" name="Rectangle 3"/>
           <p:cNvSpPr>
             <a:spLocks noGrp="1" noChangeArrowheads="1"/>
           </p:cNvSpPr>
@@ -20007,135 +19924,201 @@
           <a:p>
             <a:r>
               <a:rPr lang="en-US" altLang="zh-CN" sz="2800" dirty="0" err="1"/>
-              <a:t>DatagramSocket</a:t>
+              <a:t>DatagramPacket</a:t>
             </a:r>
             <a:r>
               <a:rPr lang="zh-CN" altLang="en-US" sz="2800" dirty="0"/>
-              <a:t>类表示用来发送和接收数据报包的套接字。 </a:t>
+              <a:t>类用来实现一个无连接包的传送服务。 每条消息从一台机器发送到到另一台机器的选径仅依赖于这个包所包含的信息。 多个包从一台机器发送到另一台机器可能经过不同的路径，并且以任意顺序到达。</a:t>
             </a:r>
           </a:p>
           <a:p>
             <a:r>
               <a:rPr lang="zh-CN" altLang="en-US" sz="2800" dirty="0"/>
-              <a:t>数据报套接字是包投递服务的发送或接收点。每个在数据报套接字上发送或接收的包都是单独编址和路由的。从一台机器发送到另一台机器的多个包可能选择不同的路由，也可能按不同的顺序到达。 </a:t>
-            </a:r>
+              <a:t>构建器：</a:t>
+            </a:r>
+            <a:endParaRPr lang="en-US" altLang="zh-CN" sz="2800" dirty="0"/>
           </a:p>
           <a:p>
-            <a:r>
-              <a:rPr lang="zh-CN" altLang="en-US" sz="2800" dirty="0"/>
-              <a:t>在</a:t>
-            </a:r>
-            <a:r>
-              <a:rPr lang="en-US" altLang="zh-CN" sz="2800" dirty="0" err="1"/>
-              <a:t>DatagramSocket</a:t>
-            </a:r>
-            <a:r>
-              <a:rPr lang="zh-CN" altLang="en-US" sz="2800" dirty="0"/>
-              <a:t>上总是启用</a:t>
-            </a:r>
-            <a:r>
-              <a:rPr lang="en-US" altLang="zh-CN" sz="2800" dirty="0"/>
-              <a:t>UDP</a:t>
-            </a:r>
-            <a:r>
-              <a:rPr lang="zh-CN" altLang="en-US" sz="2800" dirty="0"/>
-              <a:t>广播发送。为了接收广播包，应该将 </a:t>
-            </a:r>
-            <a:r>
-              <a:rPr lang="en-US" altLang="zh-CN" sz="2800" dirty="0" err="1"/>
-              <a:t>DatagramSocket</a:t>
-            </a:r>
-            <a:r>
-              <a:rPr lang="zh-CN" altLang="en-US" sz="2800" dirty="0"/>
-              <a:t>绑定到通配符地址。在某些实现中，将 </a:t>
-            </a:r>
-            <a:r>
-              <a:rPr lang="en-US" altLang="zh-CN" sz="2800" dirty="0" err="1"/>
-              <a:t>DatagramSocket</a:t>
-            </a:r>
-            <a:r>
-              <a:rPr lang="zh-CN" altLang="en-US" sz="2800" dirty="0"/>
-              <a:t>绑定到一个更加具体的地址时广播包也可以被接收。</a:t>
-            </a:r>
+            <a:pPr lvl="1"/>
+            <a:r>
+              <a:rPr lang="en-US" altLang="zh-CN" sz="2400" dirty="0" err="1"/>
+              <a:t>DatagramPacket</a:t>
+            </a:r>
+            <a:r>
+              <a:rPr lang="en-US" altLang="zh-CN" sz="2400" dirty="0"/>
+              <a:t>(byte[] </a:t>
+            </a:r>
+            <a:r>
+              <a:rPr lang="en-US" altLang="zh-CN" sz="2400" dirty="0" err="1"/>
+              <a:t>buf</a:t>
+            </a:r>
+            <a:r>
+              <a:rPr lang="en-US" altLang="zh-CN" sz="2400" dirty="0"/>
+              <a:t>, </a:t>
+            </a:r>
+            <a:r>
+              <a:rPr lang="en-US" altLang="zh-CN" sz="2400" dirty="0" err="1"/>
+              <a:t>int</a:t>
+            </a:r>
+            <a:r>
+              <a:rPr lang="en-US" altLang="zh-CN" sz="2400" dirty="0"/>
+              <a:t> length, </a:t>
+            </a:r>
+            <a:r>
+              <a:rPr lang="en-US" altLang="zh-CN" sz="2400" dirty="0" err="1"/>
+              <a:t>InetAddress</a:t>
+            </a:r>
+            <a:r>
+              <a:rPr lang="en-US" altLang="zh-CN" sz="2400" dirty="0"/>
+              <a:t> </a:t>
+            </a:r>
+            <a:r>
+              <a:rPr lang="en-US" altLang="zh-CN" sz="2400" dirty="0" err="1"/>
+              <a:t>addr</a:t>
+            </a:r>
+            <a:r>
+              <a:rPr lang="en-US" altLang="zh-CN" sz="2400" dirty="0"/>
+              <a:t>, </a:t>
+            </a:r>
+            <a:r>
+              <a:rPr lang="en-US" altLang="zh-CN" sz="2400" dirty="0" err="1"/>
+              <a:t>int</a:t>
+            </a:r>
+            <a:r>
+              <a:rPr lang="en-US" altLang="zh-CN" sz="2400" dirty="0"/>
+              <a:t> port)</a:t>
+            </a:r>
+            <a:r>
+              <a:rPr lang="zh-CN" altLang="en-US" sz="2400" dirty="0"/>
+              <a:t>：从</a:t>
+            </a:r>
+            <a:r>
+              <a:rPr lang="en-US" altLang="zh-CN" sz="2400" dirty="0" err="1"/>
+              <a:t>Buf</a:t>
+            </a:r>
+            <a:r>
+              <a:rPr lang="zh-CN" altLang="en-US" sz="2400" dirty="0"/>
+              <a:t>数组中，取出</a:t>
+            </a:r>
+            <a:r>
+              <a:rPr lang="en-US" altLang="zh-CN" sz="2400" dirty="0"/>
+              <a:t>Length</a:t>
+            </a:r>
+            <a:r>
+              <a:rPr lang="zh-CN" altLang="en-US" sz="2400" dirty="0"/>
+              <a:t>长的数据创建数据包对象，目标是</a:t>
+            </a:r>
+            <a:r>
+              <a:rPr lang="en-US" altLang="zh-CN" sz="2400" dirty="0" err="1"/>
+              <a:t>Addr</a:t>
+            </a:r>
+            <a:r>
+              <a:rPr lang="zh-CN" altLang="en-US" sz="2400" dirty="0"/>
+              <a:t>地址，</a:t>
+            </a:r>
+            <a:r>
+              <a:rPr lang="en-US" altLang="zh-CN" sz="2400" dirty="0"/>
+              <a:t>Port</a:t>
+            </a:r>
+            <a:r>
+              <a:rPr lang="zh-CN" altLang="en-US" sz="2400" dirty="0"/>
+              <a:t>端口。</a:t>
+            </a:r>
+            <a:endParaRPr lang="en-US" altLang="zh-CN" sz="2400" dirty="0"/>
           </a:p>
-        </p:txBody>
-      </p:sp>
-      <p:sp>
-        <p:nvSpPr>
-          <p:cNvPr id="41988" name="Rectangle 4"/>
-          <p:cNvSpPr>
-            <a:spLocks noChangeArrowheads="1"/>
-          </p:cNvSpPr>
-          <p:nvPr/>
-        </p:nvSpPr>
-        <p:spPr bwMode="auto">
-          <a:xfrm>
-            <a:off x="5486400" y="6491288"/>
-            <a:ext cx="2330450" cy="366712"/>
-          </a:xfrm>
-          <a:prstGeom prst="rect">
-            <a:avLst/>
-          </a:prstGeom>
-          <a:noFill/>
-          <a:ln w="9525">
-            <a:noFill/>
-            <a:miter lim="800000"/>
-            <a:headEnd/>
-            <a:tailEnd/>
-          </a:ln>
-          <a:effectLst/>
-        </p:spPr>
-        <p:txBody>
-          <a:bodyPr wrap="none" anchor="ctr">
-            <a:spAutoFit/>
-          </a:bodyPr>
-          <a:lstStyle/>
           <a:p>
-            <a:r>
-              <a:rPr lang="en-US" altLang="zh-CN" dirty="0">
-                <a:ea typeface="宋体" charset="-122"/>
-              </a:rPr>
-              <a:t>UDPTestServer.java </a:t>
-            </a:r>
-          </a:p>
-        </p:txBody>
-      </p:sp>
-      <p:sp>
-        <p:nvSpPr>
-          <p:cNvPr id="41989" name="Rectangle 5"/>
-          <p:cNvSpPr>
-            <a:spLocks noChangeArrowheads="1"/>
-          </p:cNvSpPr>
-          <p:nvPr/>
-        </p:nvSpPr>
-        <p:spPr bwMode="auto">
-          <a:xfrm>
-            <a:off x="7696200" y="6491288"/>
-            <a:ext cx="2241550" cy="366712"/>
-          </a:xfrm>
-          <a:prstGeom prst="rect">
-            <a:avLst/>
-          </a:prstGeom>
-          <a:noFill/>
-          <a:ln w="9525">
-            <a:noFill/>
-            <a:miter lim="800000"/>
-            <a:headEnd/>
-            <a:tailEnd/>
-          </a:ln>
-          <a:effectLst/>
-        </p:spPr>
-        <p:txBody>
-          <a:bodyPr wrap="none" anchor="ctr">
-            <a:spAutoFit/>
-          </a:bodyPr>
-          <a:lstStyle/>
-          <a:p>
-            <a:r>
-              <a:rPr lang="en-US" altLang="zh-CN">
-                <a:ea typeface="宋体" charset="-122"/>
-              </a:rPr>
-              <a:t>UDPTestClient.java </a:t>
+            <a:pPr lvl="1"/>
+            <a:r>
+              <a:rPr lang="en-US" altLang="zh-CN" sz="2400" dirty="0" err="1"/>
+              <a:t>DatagramPacket</a:t>
+            </a:r>
+            <a:r>
+              <a:rPr lang="en-US" altLang="zh-CN" sz="2400" dirty="0"/>
+              <a:t>(byte[] </a:t>
+            </a:r>
+            <a:r>
+              <a:rPr lang="en-US" altLang="zh-CN" sz="2400" dirty="0" err="1"/>
+              <a:t>buf</a:t>
+            </a:r>
+            <a:r>
+              <a:rPr lang="en-US" altLang="zh-CN" sz="2400" dirty="0"/>
+              <a:t>, </a:t>
+            </a:r>
+            <a:r>
+              <a:rPr lang="en-US" altLang="zh-CN" sz="2400" dirty="0" err="1"/>
+              <a:t>int</a:t>
+            </a:r>
+            <a:r>
+              <a:rPr lang="en-US" altLang="zh-CN" sz="2400" dirty="0"/>
+              <a:t> offset, </a:t>
+            </a:r>
+            <a:r>
+              <a:rPr lang="en-US" altLang="zh-CN" sz="2400" dirty="0" err="1"/>
+              <a:t>int</a:t>
+            </a:r>
+            <a:r>
+              <a:rPr lang="en-US" altLang="zh-CN" sz="2400" dirty="0"/>
+              <a:t> length, </a:t>
+            </a:r>
+            <a:r>
+              <a:rPr lang="en-US" altLang="zh-CN" sz="2400" dirty="0" err="1"/>
+              <a:t>InetAddress</a:t>
+            </a:r>
+            <a:r>
+              <a:rPr lang="en-US" altLang="zh-CN" sz="2400" dirty="0"/>
+              <a:t> address, </a:t>
+            </a:r>
+            <a:r>
+              <a:rPr lang="en-US" altLang="zh-CN" sz="2400" dirty="0" err="1"/>
+              <a:t>int</a:t>
+            </a:r>
+            <a:r>
+              <a:rPr lang="en-US" altLang="zh-CN" sz="2400" dirty="0"/>
+              <a:t> port)</a:t>
+            </a:r>
+            <a:r>
+              <a:rPr lang="zh-CN" altLang="en-US" sz="2400" dirty="0"/>
+              <a:t>：从</a:t>
+            </a:r>
+            <a:r>
+              <a:rPr lang="en-US" altLang="zh-CN" sz="2400" dirty="0" err="1"/>
+              <a:t>Buf</a:t>
+            </a:r>
+            <a:r>
+              <a:rPr lang="zh-CN" altLang="en-US" sz="2400" dirty="0"/>
+              <a:t>数组中，取出</a:t>
+            </a:r>
+            <a:r>
+              <a:rPr lang="en-US" altLang="zh-CN" sz="2400" dirty="0"/>
+              <a:t>Offset</a:t>
+            </a:r>
+            <a:r>
+              <a:rPr lang="zh-CN" altLang="en-US" sz="2400" dirty="0"/>
+              <a:t>开始的、</a:t>
+            </a:r>
+            <a:r>
+              <a:rPr lang="en-US" altLang="zh-CN" sz="2400" dirty="0"/>
+              <a:t>Length</a:t>
+            </a:r>
+            <a:r>
+              <a:rPr lang="zh-CN" altLang="en-US" sz="2400" dirty="0"/>
+              <a:t>长的数据创建数据包对象，目标是</a:t>
+            </a:r>
+            <a:r>
+              <a:rPr lang="en-US" altLang="zh-CN" sz="2400" dirty="0" err="1"/>
+              <a:t>Addr</a:t>
+            </a:r>
+            <a:r>
+              <a:rPr lang="zh-CN" altLang="en-US" sz="2400" dirty="0"/>
+              <a:t>地址，</a:t>
+            </a:r>
+            <a:r>
+              <a:rPr lang="en-US" altLang="zh-CN" sz="2400" dirty="0"/>
+              <a:t>Port</a:t>
+            </a:r>
+            <a:r>
+              <a:rPr lang="zh-CN" altLang="en-US" sz="2400" dirty="0"/>
+              <a:t>端口。</a:t>
             </a:r>
           </a:p>
         </p:txBody>
@@ -20179,6 +20162,232 @@
       </p:grpSpPr>
       <p:sp>
         <p:nvSpPr>
+          <p:cNvPr id="41986" name="Rectangle 2"/>
+          <p:cNvSpPr>
+            <a:spLocks noGrp="1" noChangeArrowheads="1"/>
+          </p:cNvSpPr>
+          <p:nvPr>
+            <p:ph type="title"/>
+          </p:nvPr>
+        </p:nvSpPr>
+        <p:spPr>
+          <a:xfrm>
+            <a:off x="571501" y="0"/>
+            <a:ext cx="11294917" cy="668780"/>
+          </a:xfrm>
+        </p:spPr>
+        <p:txBody>
+          <a:bodyPr/>
+          <a:lstStyle/>
+          <a:p>
+            <a:r>
+              <a:rPr lang="en-US" altLang="zh-CN" dirty="0" err="1"/>
+              <a:t>DatagramPacket</a:t>
+            </a:r>
+            <a:r>
+              <a:rPr lang="zh-CN" altLang="en-US" dirty="0"/>
+              <a:t>类和</a:t>
+            </a:r>
+            <a:r>
+              <a:rPr lang="en-US" altLang="zh-CN" dirty="0" err="1"/>
+              <a:t>DatagramSocket</a:t>
+            </a:r>
+            <a:r>
+              <a:rPr lang="zh-CN" altLang="en-US" dirty="0"/>
+              <a:t>类</a:t>
+            </a:r>
+          </a:p>
+        </p:txBody>
+      </p:sp>
+      <p:sp>
+        <p:nvSpPr>
+          <p:cNvPr id="41987" name="Rectangle 3"/>
+          <p:cNvSpPr>
+            <a:spLocks noGrp="1" noChangeArrowheads="1"/>
+          </p:cNvSpPr>
+          <p:nvPr>
+            <p:ph sz="quarter" idx="10"/>
+          </p:nvPr>
+        </p:nvSpPr>
+        <p:spPr/>
+        <p:txBody>
+          <a:bodyPr/>
+          <a:lstStyle/>
+          <a:p>
+            <a:r>
+              <a:rPr lang="en-US" altLang="zh-CN" sz="2800" dirty="0" err="1"/>
+              <a:t>DatagramSocket</a:t>
+            </a:r>
+            <a:r>
+              <a:rPr lang="zh-CN" altLang="en-US" sz="2800" dirty="0"/>
+              <a:t>类表示用来发送和接收数据报包的套接字。 </a:t>
+            </a:r>
+          </a:p>
+          <a:p>
+            <a:r>
+              <a:rPr lang="zh-CN" altLang="en-US" sz="2800" dirty="0"/>
+              <a:t>数据报套接字是包投递服务的发送或接收点。每个在数据报套接字上发送或接收的包都是单独编址和路由的。从一台机器发送到另一台机器的多个包可能选择不同的路由，也可能按不同的顺序到达。 </a:t>
+            </a:r>
+          </a:p>
+          <a:p>
+            <a:r>
+              <a:rPr lang="zh-CN" altLang="en-US" sz="2800" dirty="0"/>
+              <a:t>在</a:t>
+            </a:r>
+            <a:r>
+              <a:rPr lang="en-US" altLang="zh-CN" sz="2800" dirty="0" err="1"/>
+              <a:t>DatagramSocket</a:t>
+            </a:r>
+            <a:r>
+              <a:rPr lang="zh-CN" altLang="en-US" sz="2800" dirty="0"/>
+              <a:t>上总是启用</a:t>
+            </a:r>
+            <a:r>
+              <a:rPr lang="en-US" altLang="zh-CN" sz="2800" dirty="0"/>
+              <a:t>UDP</a:t>
+            </a:r>
+            <a:r>
+              <a:rPr lang="zh-CN" altLang="en-US" sz="2800" dirty="0"/>
+              <a:t>广播发送。为了接收广播包，应该将 </a:t>
+            </a:r>
+            <a:r>
+              <a:rPr lang="en-US" altLang="zh-CN" sz="2800" dirty="0" err="1"/>
+              <a:t>DatagramSocket</a:t>
+            </a:r>
+            <a:r>
+              <a:rPr lang="zh-CN" altLang="en-US" sz="2800" dirty="0"/>
+              <a:t>绑定到通配符地址。在某些实现中，将 </a:t>
+            </a:r>
+            <a:r>
+              <a:rPr lang="en-US" altLang="zh-CN" sz="2800" dirty="0" err="1"/>
+              <a:t>DatagramSocket</a:t>
+            </a:r>
+            <a:r>
+              <a:rPr lang="zh-CN" altLang="en-US" sz="2800" dirty="0"/>
+              <a:t>绑定到一个更加具体的地址时广播包也可以被接收。</a:t>
+            </a:r>
+          </a:p>
+        </p:txBody>
+      </p:sp>
+      <p:sp>
+        <p:nvSpPr>
+          <p:cNvPr id="41988" name="Rectangle 4"/>
+          <p:cNvSpPr>
+            <a:spLocks noChangeArrowheads="1"/>
+          </p:cNvSpPr>
+          <p:nvPr/>
+        </p:nvSpPr>
+        <p:spPr bwMode="auto">
+          <a:xfrm>
+            <a:off x="5486400" y="6491288"/>
+            <a:ext cx="2330450" cy="366712"/>
+          </a:xfrm>
+          <a:prstGeom prst="rect">
+            <a:avLst/>
+          </a:prstGeom>
+          <a:noFill/>
+          <a:ln w="9525">
+            <a:noFill/>
+            <a:miter lim="800000"/>
+            <a:headEnd/>
+            <a:tailEnd/>
+          </a:ln>
+          <a:effectLst/>
+        </p:spPr>
+        <p:txBody>
+          <a:bodyPr wrap="none" anchor="ctr">
+            <a:spAutoFit/>
+          </a:bodyPr>
+          <a:lstStyle/>
+          <a:p>
+            <a:r>
+              <a:rPr lang="en-US" altLang="zh-CN" dirty="0">
+                <a:ea typeface="宋体" charset="-122"/>
+              </a:rPr>
+              <a:t>UDPTestServer.java </a:t>
+            </a:r>
+          </a:p>
+        </p:txBody>
+      </p:sp>
+      <p:sp>
+        <p:nvSpPr>
+          <p:cNvPr id="41989" name="Rectangle 5"/>
+          <p:cNvSpPr>
+            <a:spLocks noChangeArrowheads="1"/>
+          </p:cNvSpPr>
+          <p:nvPr/>
+        </p:nvSpPr>
+        <p:spPr bwMode="auto">
+          <a:xfrm>
+            <a:off x="7696200" y="6491288"/>
+            <a:ext cx="2241550" cy="366712"/>
+          </a:xfrm>
+          <a:prstGeom prst="rect">
+            <a:avLst/>
+          </a:prstGeom>
+          <a:noFill/>
+          <a:ln w="9525">
+            <a:noFill/>
+            <a:miter lim="800000"/>
+            <a:headEnd/>
+            <a:tailEnd/>
+          </a:ln>
+          <a:effectLst/>
+        </p:spPr>
+        <p:txBody>
+          <a:bodyPr wrap="none" anchor="ctr">
+            <a:spAutoFit/>
+          </a:bodyPr>
+          <a:lstStyle/>
+          <a:p>
+            <a:r>
+              <a:rPr lang="en-US" altLang="zh-CN">
+                <a:ea typeface="宋体" charset="-122"/>
+              </a:rPr>
+              <a:t>UDPTestClient.java </a:t>
+            </a:r>
+          </a:p>
+        </p:txBody>
+      </p:sp>
+    </p:spTree>
+  </p:cSld>
+  <p:clrMapOvr>
+    <a:masterClrMapping/>
+  </p:clrMapOvr>
+  <mc:AlternateContent xmlns:mc="http://schemas.openxmlformats.org/markup-compatibility/2006" xmlns:p14="http://schemas.microsoft.com/office/powerpoint/2010/main">
+    <mc:Choice Requires="p14">
+      <p:transition spd="med" p14:dur="700">
+        <p:fade/>
+      </p:transition>
+    </mc:Choice>
+    <mc:Fallback xmlns="">
+      <p:transition spd="med">
+        <p:fade/>
+      </p:transition>
+    </mc:Fallback>
+  </mc:AlternateContent>
+</p:sld>
+</file>
+
+<file path=ppt/slides/slide24.xml><?xml version="1.0" encoding="utf-8"?>
+<p:sld xmlns:a="http://schemas.openxmlformats.org/drawingml/2006/main" xmlns:r="http://schemas.openxmlformats.org/officeDocument/2006/relationships" xmlns:p="http://schemas.openxmlformats.org/presentationml/2006/main">
+  <p:cSld>
+    <p:spTree>
+      <p:nvGrpSpPr>
+        <p:cNvPr id="1" name=""/>
+        <p:cNvGrpSpPr/>
+        <p:nvPr/>
+      </p:nvGrpSpPr>
+      <p:grpSpPr>
+        <a:xfrm>
+          <a:off x="0" y="0"/>
+          <a:ext cx="0" cy="0"/>
+          <a:chOff x="0" y="0"/>
+          <a:chExt cx="0" cy="0"/>
+        </a:xfrm>
+      </p:grpSpPr>
+      <p:sp>
+        <p:nvSpPr>
           <p:cNvPr id="43010" name="Rectangle 2"/>
           <p:cNvSpPr>
             <a:spLocks noGrp="1" noChangeArrowheads="1"/>
@@ -20363,7 +20572,7 @@
 </p:sld>
 </file>
 
-<file path=ppt/slides/slide24.xml><?xml version="1.0" encoding="utf-8"?>
+<file path=ppt/slides/slide25.xml><?xml version="1.0" encoding="utf-8"?>
 <p:sld xmlns:a="http://schemas.openxmlformats.org/drawingml/2006/main" xmlns:r="http://schemas.openxmlformats.org/officeDocument/2006/relationships" xmlns:p="http://schemas.openxmlformats.org/presentationml/2006/main">
   <p:cSld>
     <p:spTree>
@@ -22690,102 +22899,6 @@
           <a:chExt cx="0" cy="0"/>
         </a:xfrm>
       </p:grpSpPr>
-      <p:pic>
-        <p:nvPicPr>
-          <p:cNvPr id="5" name="Picture 4" descr="15-1"/>
-          <p:cNvPicPr>
-            <a:picLocks noChangeAspect="1" noChangeArrowheads="1"/>
-          </p:cNvPicPr>
-          <p:nvPr/>
-        </p:nvPicPr>
-        <p:blipFill>
-          <a:blip r:embed="rId2"/>
-          <a:stretch>
-            <a:fillRect/>
-          </a:stretch>
-        </p:blipFill>
-        <p:spPr>
-          <a:xfrm>
-            <a:off x="4966854" y="332329"/>
-            <a:ext cx="7225145" cy="5716016"/>
-          </a:xfrm>
-          <a:prstGeom prst="rect">
-            <a:avLst/>
-          </a:prstGeom>
-        </p:spPr>
-      </p:pic>
-      <p:sp>
-        <p:nvSpPr>
-          <p:cNvPr id="6" name="Text Box 5"/>
-          <p:cNvSpPr txBox="1">
-            <a:spLocks noChangeArrowheads="1"/>
-          </p:cNvSpPr>
-          <p:nvPr/>
-        </p:nvSpPr>
-        <p:spPr bwMode="auto">
-          <a:xfrm>
-            <a:off x="6879938" y="6048345"/>
-            <a:ext cx="2870200" cy="400110"/>
-          </a:xfrm>
-          <a:prstGeom prst="rect">
-            <a:avLst/>
-          </a:prstGeom>
-          <a:noFill/>
-          <a:ln w="9525">
-            <a:noFill/>
-            <a:miter lim="800000"/>
-            <a:headEnd/>
-            <a:tailEnd/>
-          </a:ln>
-        </p:spPr>
-        <p:txBody>
-          <a:bodyPr>
-            <a:spAutoFit/>
-          </a:bodyPr>
-          <a:lstStyle/>
-          <a:p>
-            <a:pPr algn="ctr"/>
-            <a:r>
-              <a:rPr lang="en-US" altLang="zh-CN" sz="2000" b="1" dirty="0">
-                <a:latin typeface="Courier New" pitchFamily="49" charset="0"/>
-                <a:ea typeface="宋体" charset="-122"/>
-                <a:cs typeface="Courier New" pitchFamily="49" charset="0"/>
-                <a:sym typeface="Courier New" pitchFamily="49" charset="0"/>
-              </a:rPr>
-              <a:t>TCP/IP</a:t>
-            </a:r>
-            <a:r>
-              <a:rPr lang="zh-CN" altLang="en-US" sz="2000" b="1" dirty="0">
-                <a:latin typeface="黑体" pitchFamily="2" charset="-122"/>
-                <a:ea typeface="黑体" pitchFamily="2" charset="-122"/>
-                <a:cs typeface="Courier New" pitchFamily="49" charset="0"/>
-                <a:sym typeface="黑体" pitchFamily="2" charset="-122"/>
-              </a:rPr>
-              <a:t>与</a:t>
-            </a:r>
-            <a:r>
-              <a:rPr lang="en-US" altLang="zh-CN" sz="2000" b="1" dirty="0">
-                <a:latin typeface="Courier New" pitchFamily="49" charset="0"/>
-                <a:ea typeface="宋体" charset="-122"/>
-                <a:cs typeface="Courier New" pitchFamily="49" charset="0"/>
-                <a:sym typeface="Courier New" pitchFamily="49" charset="0"/>
-              </a:rPr>
-              <a:t>OSI</a:t>
-            </a:r>
-            <a:r>
-              <a:rPr lang="zh-CN" altLang="en-US" sz="2000" b="1" dirty="0">
-                <a:latin typeface="黑体" pitchFamily="2" charset="-122"/>
-                <a:ea typeface="黑体" pitchFamily="2" charset="-122"/>
-                <a:sym typeface="黑体" pitchFamily="2" charset="-122"/>
-              </a:rPr>
-              <a:t>对照图</a:t>
-            </a:r>
-            <a:endParaRPr lang="zh-CN" altLang="en-US" sz="2000" dirty="0">
-              <a:ea typeface="宋体" charset="-122"/>
-            </a:endParaRPr>
-          </a:p>
-        </p:txBody>
-      </p:sp>
       <p:sp>
         <p:nvSpPr>
           <p:cNvPr id="14338" name="Rectangle 2"/>
@@ -22824,7 +22937,7 @@
         <p:spPr>
           <a:xfrm>
             <a:off x="546811" y="1056645"/>
-            <a:ext cx="5759853" cy="5046784"/>
+            <a:ext cx="11055717" cy="5046784"/>
           </a:xfrm>
         </p:spPr>
         <p:txBody>
@@ -22837,6 +22950,14 @@
               </a:rPr>
               <a:t>网络接口层：与物理网络打交道的物理网络部分，它相当于OSI的物理层和数据链路层，负责接收和发送数据帧。</a:t>
             </a:r>
+            <a:endParaRPr lang="en-US" altLang="zh-CN" sz="2800" dirty="0">
+              <a:sym typeface="Arial" charset="0"/>
+            </a:endParaRPr>
+          </a:p>
+          <a:p>
+            <a:endParaRPr lang="zh-CN" altLang="zh-CN" sz="2800" dirty="0">
+              <a:sym typeface="Arial" charset="0"/>
+            </a:endParaRPr>
           </a:p>
           <a:p>
             <a:r>
@@ -23390,88 +23511,6 @@
           </a:p>
         </p:txBody>
       </p:sp>
-      <p:pic>
-        <p:nvPicPr>
-          <p:cNvPr id="16389" name="Picture 5" descr="15-2"/>
-          <p:cNvPicPr>
-            <a:picLocks noChangeAspect="1" noChangeArrowheads="1"/>
-          </p:cNvPicPr>
-          <p:nvPr/>
-        </p:nvPicPr>
-        <p:blipFill>
-          <a:blip r:embed="rId2"/>
-          <a:srcRect l="17575" t="9564" r="5977" b="6543"/>
-          <a:stretch>
-            <a:fillRect/>
-          </a:stretch>
-        </p:blipFill>
-        <p:spPr bwMode="auto">
-          <a:xfrm>
-            <a:off x="6147753" y="1219200"/>
-            <a:ext cx="5555166" cy="4648200"/>
-          </a:xfrm>
-          <a:prstGeom prst="rect">
-            <a:avLst/>
-          </a:prstGeom>
-          <a:noFill/>
-          <a:ln w="9525">
-            <a:noFill/>
-            <a:miter lim="800000"/>
-            <a:headEnd/>
-            <a:tailEnd/>
-          </a:ln>
-        </p:spPr>
-      </p:pic>
-      <p:sp>
-        <p:nvSpPr>
-          <p:cNvPr id="16390" name="Text Box 6"/>
-          <p:cNvSpPr txBox="1">
-            <a:spLocks noChangeArrowheads="1"/>
-          </p:cNvSpPr>
-          <p:nvPr/>
-        </p:nvSpPr>
-        <p:spPr bwMode="auto">
-          <a:xfrm>
-            <a:off x="7162800" y="5943600"/>
-            <a:ext cx="2590800" cy="400110"/>
-          </a:xfrm>
-          <a:prstGeom prst="rect">
-            <a:avLst/>
-          </a:prstGeom>
-          <a:noFill/>
-          <a:ln w="9525">
-            <a:noFill/>
-            <a:miter lim="800000"/>
-            <a:headEnd/>
-            <a:tailEnd/>
-          </a:ln>
-        </p:spPr>
-        <p:txBody>
-          <a:bodyPr>
-            <a:spAutoFit/>
-          </a:bodyPr>
-          <a:lstStyle/>
-          <a:p>
-            <a:pPr algn="ctr"/>
-            <a:r>
-              <a:rPr lang="en-US" altLang="zh-CN" sz="2000" b="1">
-                <a:latin typeface="黑体" pitchFamily="2" charset="-122"/>
-                <a:ea typeface="黑体" pitchFamily="2" charset="-122"/>
-                <a:sym typeface="黑体" pitchFamily="2" charset="-122"/>
-              </a:rPr>
-              <a:t>IP</a:t>
-            </a:r>
-            <a:r>
-              <a:rPr lang="zh-CN" altLang="en-US" sz="2000" b="1">
-                <a:latin typeface="黑体" pitchFamily="2" charset="-122"/>
-                <a:ea typeface="黑体" pitchFamily="2" charset="-122"/>
-                <a:sym typeface="黑体" pitchFamily="2" charset="-122"/>
-              </a:rPr>
-              <a:t>地址分类示意图</a:t>
-            </a:r>
-          </a:p>
-        </p:txBody>
-      </p:sp>
     </p:spTree>
   </p:cSld>
   <p:clrMapOvr>
@@ -23493,6 +23532,176 @@
 </file>
 
 <file path=ppt/slides/slide8.xml><?xml version="1.0" encoding="utf-8"?>
+<p:sld xmlns:a="http://schemas.openxmlformats.org/drawingml/2006/main" xmlns:r="http://schemas.openxmlformats.org/officeDocument/2006/relationships" xmlns:p="http://schemas.openxmlformats.org/presentationml/2006/main">
+  <p:cSld>
+    <p:spTree>
+      <p:nvGrpSpPr>
+        <p:cNvPr id="1" name=""/>
+        <p:cNvGrpSpPr/>
+        <p:nvPr/>
+      </p:nvGrpSpPr>
+      <p:grpSpPr>
+        <a:xfrm>
+          <a:off x="0" y="0"/>
+          <a:ext cx="0" cy="0"/>
+          <a:chOff x="0" y="0"/>
+          <a:chExt cx="0" cy="0"/>
+        </a:xfrm>
+      </p:grpSpPr>
+      <p:sp>
+        <p:nvSpPr>
+          <p:cNvPr id="2" name="标题 1">
+            <a:extLst>
+              <a:ext uri="{FF2B5EF4-FFF2-40B4-BE49-F238E27FC236}">
+                <a16:creationId xmlns:a16="http://schemas.microsoft.com/office/drawing/2014/main" id="{88CD094E-677B-42D9-9859-E6BCF0506AE2}"/>
+              </a:ext>
+            </a:extLst>
+          </p:cNvPr>
+          <p:cNvSpPr>
+            <a:spLocks noGrp="1"/>
+          </p:cNvSpPr>
+          <p:nvPr>
+            <p:ph type="title"/>
+          </p:nvPr>
+        </p:nvSpPr>
+        <p:spPr/>
+        <p:txBody>
+          <a:bodyPr/>
+          <a:lstStyle/>
+          <a:p>
+            <a:r>
+              <a:rPr lang="en-US" altLang="zh-CN" dirty="0"/>
+              <a:t>IP</a:t>
+            </a:r>
+            <a:r>
+              <a:rPr lang="zh-CN" altLang="en-US"/>
+              <a:t>地址</a:t>
+            </a:r>
+          </a:p>
+        </p:txBody>
+      </p:sp>
+      <p:pic>
+        <p:nvPicPr>
+          <p:cNvPr id="4" name="Picture 5" descr="15-2">
+            <a:extLst>
+              <a:ext uri="{FF2B5EF4-FFF2-40B4-BE49-F238E27FC236}">
+                <a16:creationId xmlns:a16="http://schemas.microsoft.com/office/drawing/2014/main" id="{BA394FEA-FB69-44F1-B561-01A56BB5D104}"/>
+              </a:ext>
+            </a:extLst>
+          </p:cNvPr>
+          <p:cNvPicPr>
+            <a:picLocks noGrp="1" noChangeAspect="1" noChangeArrowheads="1"/>
+          </p:cNvPicPr>
+          <p:nvPr>
+            <p:ph sz="quarter" idx="10"/>
+          </p:nvPr>
+        </p:nvPicPr>
+        <p:blipFill>
+          <a:blip r:embed="rId2"/>
+          <a:srcRect l="17575" t="9564" r="5977" b="6543"/>
+          <a:stretch>
+            <a:fillRect/>
+          </a:stretch>
+        </p:blipFill>
+        <p:spPr bwMode="auto">
+          <a:xfrm>
+            <a:off x="3471149" y="668780"/>
+            <a:ext cx="4870595" cy="4638158"/>
+          </a:xfrm>
+          <a:prstGeom prst="rect">
+            <a:avLst/>
+          </a:prstGeom>
+          <a:noFill/>
+          <a:ln w="9525">
+            <a:noFill/>
+            <a:miter lim="800000"/>
+            <a:headEnd/>
+            <a:tailEnd/>
+          </a:ln>
+        </p:spPr>
+      </p:pic>
+      <p:sp>
+        <p:nvSpPr>
+          <p:cNvPr id="5" name="Text Box 6">
+            <a:extLst>
+              <a:ext uri="{FF2B5EF4-FFF2-40B4-BE49-F238E27FC236}">
+                <a16:creationId xmlns:a16="http://schemas.microsoft.com/office/drawing/2014/main" id="{BC4CEA68-8B48-4C0D-A339-2D11676E3CA1}"/>
+              </a:ext>
+            </a:extLst>
+          </p:cNvPr>
+          <p:cNvSpPr txBox="1">
+            <a:spLocks noChangeArrowheads="1"/>
+          </p:cNvSpPr>
+          <p:nvPr/>
+        </p:nvSpPr>
+        <p:spPr bwMode="auto">
+          <a:xfrm>
+            <a:off x="4611046" y="5434642"/>
+            <a:ext cx="2590800" cy="400110"/>
+          </a:xfrm>
+          <a:prstGeom prst="rect">
+            <a:avLst/>
+          </a:prstGeom>
+          <a:noFill/>
+          <a:ln w="9525">
+            <a:noFill/>
+            <a:miter lim="800000"/>
+            <a:headEnd/>
+            <a:tailEnd/>
+          </a:ln>
+        </p:spPr>
+        <p:txBody>
+          <a:bodyPr>
+            <a:spAutoFit/>
+          </a:bodyPr>
+          <a:lstStyle/>
+          <a:p>
+            <a:pPr algn="ctr"/>
+            <a:r>
+              <a:rPr lang="en-US" altLang="zh-CN" sz="2000" b="1" dirty="0">
+                <a:latin typeface="黑体" pitchFamily="2" charset="-122"/>
+                <a:ea typeface="黑体" pitchFamily="2" charset="-122"/>
+                <a:sym typeface="黑体" pitchFamily="2" charset="-122"/>
+              </a:rPr>
+              <a:t>IP</a:t>
+            </a:r>
+            <a:r>
+              <a:rPr lang="zh-CN" altLang="en-US" sz="2000" b="1" dirty="0">
+                <a:latin typeface="黑体" pitchFamily="2" charset="-122"/>
+                <a:ea typeface="黑体" pitchFamily="2" charset="-122"/>
+                <a:sym typeface="黑体" pitchFamily="2" charset="-122"/>
+              </a:rPr>
+              <a:t>地址分类示意图</a:t>
+            </a:r>
+          </a:p>
+        </p:txBody>
+      </p:sp>
+    </p:spTree>
+    <p:extLst>
+      <p:ext uri="{BB962C8B-B14F-4D97-AF65-F5344CB8AC3E}">
+        <p14:creationId xmlns:p14="http://schemas.microsoft.com/office/powerpoint/2010/main" val="459230493"/>
+      </p:ext>
+    </p:extLst>
+  </p:cSld>
+  <p:clrMapOvr>
+    <a:masterClrMapping/>
+  </p:clrMapOvr>
+  <mc:AlternateContent xmlns:mc="http://schemas.openxmlformats.org/markup-compatibility/2006" xmlns:p14="http://schemas.microsoft.com/office/powerpoint/2010/main">
+    <mc:Choice Requires="p14">
+      <p:transition spd="med" p14:dur="700">
+        <p:fade/>
+      </p:transition>
+    </mc:Choice>
+    <mc:Fallback xmlns="">
+      <p:transition spd="med">
+        <p:fade/>
+      </p:transition>
+    </mc:Fallback>
+  </mc:AlternateContent>
+</p:sld>
+</file>
+
+<file path=ppt/slides/slide9.xml><?xml version="1.0" encoding="utf-8"?>
 <p:sld xmlns:a="http://schemas.openxmlformats.org/drawingml/2006/main" xmlns:r="http://schemas.openxmlformats.org/officeDocument/2006/relationships" xmlns:p="http://schemas.openxmlformats.org/presentationml/2006/main">
   <p:cSld>
     <p:spTree>
@@ -23720,214 +23929,6 @@
               <a:ea typeface="宋体" charset="-122"/>
               <a:sym typeface="Arial" charset="0"/>
             </a:endParaRPr>
-          </a:p>
-        </p:txBody>
-      </p:sp>
-    </p:spTree>
-  </p:cSld>
-  <p:clrMapOvr>
-    <a:masterClrMapping/>
-  </p:clrMapOvr>
-  <mc:AlternateContent xmlns:mc="http://schemas.openxmlformats.org/markup-compatibility/2006" xmlns:p14="http://schemas.microsoft.com/office/powerpoint/2010/main">
-    <mc:Choice Requires="p14">
-      <p:transition spd="med" p14:dur="700">
-        <p:fade/>
-      </p:transition>
-    </mc:Choice>
-    <mc:Fallback xmlns="">
-      <p:transition spd="med">
-        <p:fade/>
-      </p:transition>
-    </mc:Fallback>
-  </mc:AlternateContent>
-</p:sld>
-</file>
-
-<file path=ppt/slides/slide9.xml><?xml version="1.0" encoding="utf-8"?>
-<p:sld xmlns:a="http://schemas.openxmlformats.org/drawingml/2006/main" xmlns:r="http://schemas.openxmlformats.org/officeDocument/2006/relationships" xmlns:p="http://schemas.openxmlformats.org/presentationml/2006/main">
-  <p:cSld>
-    <p:spTree>
-      <p:nvGrpSpPr>
-        <p:cNvPr id="1" name=""/>
-        <p:cNvGrpSpPr/>
-        <p:nvPr/>
-      </p:nvGrpSpPr>
-      <p:grpSpPr>
-        <a:xfrm>
-          <a:off x="0" y="0"/>
-          <a:ext cx="0" cy="0"/>
-          <a:chOff x="0" y="0"/>
-          <a:chExt cx="0" cy="0"/>
-        </a:xfrm>
-      </p:grpSpPr>
-      <p:sp>
-        <p:nvSpPr>
-          <p:cNvPr id="18434" name="Rectangle 2"/>
-          <p:cNvSpPr>
-            <a:spLocks noGrp="1" noChangeArrowheads="1"/>
-          </p:cNvSpPr>
-          <p:nvPr>
-            <p:ph type="title"/>
-          </p:nvPr>
-        </p:nvSpPr>
-        <p:spPr/>
-        <p:txBody>
-          <a:bodyPr/>
-          <a:lstStyle/>
-          <a:p>
-            <a:r>
-              <a:rPr lang="zh-CN" altLang="zh-CN" dirty="0">
-                <a:sym typeface="Arial" charset="0"/>
-              </a:rPr>
-              <a:t>套接字(socket)</a:t>
-            </a:r>
-            <a:endParaRPr lang="zh-CN" dirty="0">
-              <a:sym typeface="Arial" charset="0"/>
-            </a:endParaRPr>
-          </a:p>
-        </p:txBody>
-      </p:sp>
-      <p:sp>
-        <p:nvSpPr>
-          <p:cNvPr id="18435" name="Rectangle 3"/>
-          <p:cNvSpPr>
-            <a:spLocks noGrp="1" noChangeArrowheads="1"/>
-          </p:cNvSpPr>
-          <p:nvPr>
-            <p:ph sz="quarter" idx="10"/>
-          </p:nvPr>
-        </p:nvSpPr>
-        <p:spPr/>
-        <p:txBody>
-          <a:bodyPr/>
-          <a:lstStyle/>
-          <a:p>
-            <a:pPr>
-              <a:spcBef>
-                <a:spcPts val="600"/>
-              </a:spcBef>
-            </a:pPr>
-            <a:r>
-              <a:rPr lang="zh-CN" altLang="en-US" sz="2800" dirty="0">
-                <a:sym typeface="Arial" charset="0"/>
-              </a:rPr>
-              <a:t>网络上的两个程序通过一个双向的通信连接实现数据的交换，这个连接的一端称为一个</a:t>
-            </a:r>
-            <a:r>
-              <a:rPr lang="en-US" altLang="zh-CN" sz="2800" dirty="0">
-                <a:sym typeface="Arial" charset="0"/>
-              </a:rPr>
-              <a:t>socket</a:t>
-            </a:r>
-            <a:r>
-              <a:rPr lang="zh-CN" altLang="en-US" sz="2800" dirty="0">
-                <a:sym typeface="Arial" charset="0"/>
-              </a:rPr>
-              <a:t>。</a:t>
-            </a:r>
-            <a:endParaRPr lang="en-US" altLang="zh-CN" sz="2800" dirty="0">
-              <a:sym typeface="Arial" charset="0"/>
-            </a:endParaRPr>
-          </a:p>
-          <a:p>
-            <a:pPr>
-              <a:spcBef>
-                <a:spcPts val="600"/>
-              </a:spcBef>
-            </a:pPr>
-            <a:r>
-              <a:rPr lang="en-US" altLang="zh-CN" sz="2800" dirty="0"/>
-              <a:t>Socket</a:t>
-            </a:r>
-            <a:r>
-              <a:rPr lang="zh-CN" altLang="en-US" sz="2800" dirty="0"/>
-              <a:t>的英文原义是（电力系统的）“插座”，在网络中用于描述</a:t>
-            </a:r>
-            <a:r>
-              <a:rPr lang="en-US" altLang="zh-CN" sz="2800" dirty="0"/>
-              <a:t>IP</a:t>
-            </a:r>
-            <a:r>
-              <a:rPr lang="zh-CN" altLang="en-US" sz="2800" dirty="0"/>
-              <a:t>地址和端口。在</a:t>
-            </a:r>
-            <a:r>
-              <a:rPr lang="en-US" altLang="zh-CN" sz="2800" dirty="0"/>
-              <a:t>Internet</a:t>
-            </a:r>
-            <a:r>
-              <a:rPr lang="zh-CN" altLang="en-US" sz="2800" dirty="0"/>
-              <a:t>上的</a:t>
-            </a:r>
-            <a:r>
-              <a:rPr lang="zh-CN" altLang="en-US" sz="2800" dirty="0">
-                <a:hlinkClick r:id="rId2"/>
-              </a:rPr>
-              <a:t>主机</a:t>
-            </a:r>
-            <a:r>
-              <a:rPr lang="zh-CN" altLang="en-US" sz="2800" dirty="0"/>
-              <a:t>一般同时提供几种服务，每种服务都绑定到一个端口上。客户软件将插头插到不同编号的插座（</a:t>
-            </a:r>
-            <a:r>
-              <a:rPr lang="en-US" altLang="zh-CN" sz="2800" dirty="0" err="1"/>
-              <a:t>ip</a:t>
-            </a:r>
-            <a:r>
-              <a:rPr lang="zh-CN" altLang="en-US" sz="2800" dirty="0"/>
-              <a:t>和端口），就可以得到不同的服务。</a:t>
-            </a:r>
-            <a:endParaRPr lang="en-US" altLang="zh-CN" sz="2800" dirty="0"/>
-          </a:p>
-          <a:p>
-            <a:pPr>
-              <a:spcBef>
-                <a:spcPts val="600"/>
-              </a:spcBef>
-            </a:pPr>
-            <a:r>
-              <a:rPr lang="zh-CN" altLang="zh-CN" sz="2800" dirty="0">
-                <a:sym typeface="Arial" charset="0"/>
-              </a:rPr>
-              <a:t>如果一个进程要通过网络向另一个进程发送数据，只需简单地写入与socket相关联的输出流。一个进程通过从与socket相关联的输入流读来读取另一个进程所写的数据。</a:t>
-            </a:r>
-          </a:p>
-          <a:p>
-            <a:pPr>
-              <a:spcBef>
-                <a:spcPts val="600"/>
-              </a:spcBef>
-            </a:pPr>
-            <a:r>
-              <a:rPr lang="en-US" altLang="zh-CN" sz="2800" dirty="0">
-                <a:sym typeface="Arial" charset="0"/>
-              </a:rPr>
-              <a:t>Java</a:t>
-            </a:r>
-            <a:r>
-              <a:rPr lang="zh-CN" altLang="en-US" sz="2800" dirty="0">
-                <a:sym typeface="Arial" charset="0"/>
-              </a:rPr>
-              <a:t>中套接字</a:t>
-            </a:r>
-            <a:r>
-              <a:rPr lang="zh-CN" sz="2800" dirty="0">
-                <a:sym typeface="Arial" charset="0"/>
-              </a:rPr>
-              <a:t>使用流模型</a:t>
-            </a:r>
-            <a:r>
-              <a:rPr lang="zh-CN" altLang="en-US" sz="2800" dirty="0">
-                <a:sym typeface="Arial" charset="0"/>
-              </a:rPr>
-              <a:t>，</a:t>
-            </a:r>
-            <a:r>
-              <a:rPr lang="zh-CN" sz="2800" dirty="0">
-                <a:sym typeface="Arial" charset="0"/>
-              </a:rPr>
-              <a:t>一个socket包括两个流：一个输入流和一个输出流。</a:t>
-            </a:r>
           </a:p>
         </p:txBody>
       </p:sp>
